--- a/resources/Pair Programming - EN.pptx
+++ b/resources/Pair Programming - EN.pptx
@@ -4,22 +4,26 @@
   <p:sldMasterIdLst>
     <p:sldMasterId id="2147483648" r:id="rId1"/>
   </p:sldMasterIdLst>
+  <p:notesMasterIdLst>
+    <p:notesMasterId r:id="rId18"/>
+  </p:notesMasterIdLst>
   <p:sldIdLst>
-    <p:sldId id="256" r:id="rId2"/>
-    <p:sldId id="258" r:id="rId3"/>
-    <p:sldId id="361" r:id="rId4"/>
-    <p:sldId id="367" r:id="rId5"/>
-    <p:sldId id="364" r:id="rId6"/>
-    <p:sldId id="368" r:id="rId7"/>
-    <p:sldId id="346" r:id="rId8"/>
-    <p:sldId id="366" r:id="rId9"/>
-    <p:sldId id="369" r:id="rId10"/>
-    <p:sldId id="362" r:id="rId11"/>
-    <p:sldId id="370" r:id="rId12"/>
-    <p:sldId id="365" r:id="rId13"/>
-    <p:sldId id="371" r:id="rId14"/>
-    <p:sldId id="372" r:id="rId15"/>
-    <p:sldId id="373" r:id="rId16"/>
+    <p:sldId id="374" r:id="rId2"/>
+    <p:sldId id="256" r:id="rId3"/>
+    <p:sldId id="258" r:id="rId4"/>
+    <p:sldId id="361" r:id="rId5"/>
+    <p:sldId id="367" r:id="rId6"/>
+    <p:sldId id="364" r:id="rId7"/>
+    <p:sldId id="368" r:id="rId8"/>
+    <p:sldId id="346" r:id="rId9"/>
+    <p:sldId id="366" r:id="rId10"/>
+    <p:sldId id="369" r:id="rId11"/>
+    <p:sldId id="362" r:id="rId12"/>
+    <p:sldId id="370" r:id="rId13"/>
+    <p:sldId id="365" r:id="rId14"/>
+    <p:sldId id="371" r:id="rId15"/>
+    <p:sldId id="372" r:id="rId16"/>
+    <p:sldId id="373" r:id="rId17"/>
   </p:sldIdLst>
   <p:sldSz cx="9144000" cy="6858000" type="screen4x3"/>
   <p:notesSz cx="6858000" cy="9144000"/>
@@ -149,6 +153,440 @@
 </p:cmAuthorLst>
 </file>
 
+<file path=ppt/notesMasters/notesMaster1.xml><?xml version="1.0" encoding="utf-8"?>
+<p:notesMaster xmlns:a="http://schemas.openxmlformats.org/drawingml/2006/main" xmlns:r="http://schemas.openxmlformats.org/officeDocument/2006/relationships" xmlns:p="http://schemas.openxmlformats.org/presentationml/2006/main">
+  <p:cSld>
+    <p:bg>
+      <p:bgRef idx="1001">
+        <a:schemeClr val="bg1"/>
+      </p:bgRef>
+    </p:bg>
+    <p:spTree>
+      <p:nvGrpSpPr>
+        <p:cNvPr id="1" name=""/>
+        <p:cNvGrpSpPr/>
+        <p:nvPr/>
+      </p:nvGrpSpPr>
+      <p:grpSpPr>
+        <a:xfrm>
+          <a:off x="0" y="0"/>
+          <a:ext cx="0" cy="0"/>
+          <a:chOff x="0" y="0"/>
+          <a:chExt cx="0" cy="0"/>
+        </a:xfrm>
+      </p:grpSpPr>
+      <p:sp>
+        <p:nvSpPr>
+          <p:cNvPr id="2" name="Header Placeholder 1"/>
+          <p:cNvSpPr>
+            <a:spLocks noGrp="1"/>
+          </p:cNvSpPr>
+          <p:nvPr>
+            <p:ph type="hdr" sz="quarter"/>
+          </p:nvPr>
+        </p:nvSpPr>
+        <p:spPr>
+          <a:xfrm>
+            <a:off x="0" y="0"/>
+            <a:ext cx="2971800" cy="458788"/>
+          </a:xfrm>
+          <a:prstGeom prst="rect">
+            <a:avLst/>
+          </a:prstGeom>
+        </p:spPr>
+        <p:txBody>
+          <a:bodyPr vert="horz" lIns="91440" tIns="45720" rIns="91440" bIns="45720" rtlCol="0"/>
+          <a:lstStyle>
+            <a:lvl1pPr algn="l">
+              <a:defRPr sz="1200"/>
+            </a:lvl1pPr>
+          </a:lstStyle>
+          <a:p>
+            <a:endParaRPr lang="fr-CA"/>
+          </a:p>
+        </p:txBody>
+      </p:sp>
+      <p:sp>
+        <p:nvSpPr>
+          <p:cNvPr id="3" name="Date Placeholder 2"/>
+          <p:cNvSpPr>
+            <a:spLocks noGrp="1"/>
+          </p:cNvSpPr>
+          <p:nvPr>
+            <p:ph type="dt" idx="1"/>
+          </p:nvPr>
+        </p:nvSpPr>
+        <p:spPr>
+          <a:xfrm>
+            <a:off x="3884613" y="0"/>
+            <a:ext cx="2971800" cy="458788"/>
+          </a:xfrm>
+          <a:prstGeom prst="rect">
+            <a:avLst/>
+          </a:prstGeom>
+        </p:spPr>
+        <p:txBody>
+          <a:bodyPr vert="horz" lIns="91440" tIns="45720" rIns="91440" bIns="45720" rtlCol="0"/>
+          <a:lstStyle>
+            <a:lvl1pPr algn="r">
+              <a:defRPr sz="1200"/>
+            </a:lvl1pPr>
+          </a:lstStyle>
+          <a:p>
+            <a:fld id="{E14D0F54-BC0C-4C7B-808D-98EFAFE728C5}" type="datetimeFigureOut">
+              <a:rPr lang="fr-CA" smtClean="0"/>
+              <a:t>2019-04-23</a:t>
+            </a:fld>
+            <a:endParaRPr lang="fr-CA"/>
+          </a:p>
+        </p:txBody>
+      </p:sp>
+      <p:sp>
+        <p:nvSpPr>
+          <p:cNvPr id="4" name="Slide Image Placeholder 3"/>
+          <p:cNvSpPr>
+            <a:spLocks noGrp="1" noRot="1" noChangeAspect="1"/>
+          </p:cNvSpPr>
+          <p:nvPr>
+            <p:ph type="sldImg" idx="2"/>
+          </p:nvPr>
+        </p:nvSpPr>
+        <p:spPr>
+          <a:xfrm>
+            <a:off x="1371600" y="1143000"/>
+            <a:ext cx="4114800" cy="3086100"/>
+          </a:xfrm>
+          <a:prstGeom prst="rect">
+            <a:avLst/>
+          </a:prstGeom>
+          <a:noFill/>
+          <a:ln w="12700">
+            <a:solidFill>
+              <a:prstClr val="black"/>
+            </a:solidFill>
+          </a:ln>
+        </p:spPr>
+        <p:txBody>
+          <a:bodyPr vert="horz" lIns="91440" tIns="45720" rIns="91440" bIns="45720" rtlCol="0" anchor="ctr"/>
+          <a:lstStyle/>
+          <a:p>
+            <a:endParaRPr lang="fr-CA"/>
+          </a:p>
+        </p:txBody>
+      </p:sp>
+      <p:sp>
+        <p:nvSpPr>
+          <p:cNvPr id="5" name="Notes Placeholder 4"/>
+          <p:cNvSpPr>
+            <a:spLocks noGrp="1"/>
+          </p:cNvSpPr>
+          <p:nvPr>
+            <p:ph type="body" sz="quarter" idx="3"/>
+          </p:nvPr>
+        </p:nvSpPr>
+        <p:spPr>
+          <a:xfrm>
+            <a:off x="685800" y="4400550"/>
+            <a:ext cx="5486400" cy="3600450"/>
+          </a:xfrm>
+          <a:prstGeom prst="rect">
+            <a:avLst/>
+          </a:prstGeom>
+        </p:spPr>
+        <p:txBody>
+          <a:bodyPr vert="horz" lIns="91440" tIns="45720" rIns="91440" bIns="45720" rtlCol="0"/>
+          <a:lstStyle/>
+          <a:p>
+            <a:pPr lvl="0"/>
+            <a:r>
+              <a:rPr lang="en-US" smtClean="0"/>
+              <a:t>Edit Master text styles</a:t>
+            </a:r>
+          </a:p>
+          <a:p>
+            <a:pPr lvl="1"/>
+            <a:r>
+              <a:rPr lang="en-US" smtClean="0"/>
+              <a:t>Second level</a:t>
+            </a:r>
+          </a:p>
+          <a:p>
+            <a:pPr lvl="2"/>
+            <a:r>
+              <a:rPr lang="en-US" smtClean="0"/>
+              <a:t>Third level</a:t>
+            </a:r>
+          </a:p>
+          <a:p>
+            <a:pPr lvl="3"/>
+            <a:r>
+              <a:rPr lang="en-US" smtClean="0"/>
+              <a:t>Fourth level</a:t>
+            </a:r>
+          </a:p>
+          <a:p>
+            <a:pPr lvl="4"/>
+            <a:r>
+              <a:rPr lang="en-US" smtClean="0"/>
+              <a:t>Fifth level</a:t>
+            </a:r>
+            <a:endParaRPr lang="fr-CA"/>
+          </a:p>
+        </p:txBody>
+      </p:sp>
+      <p:sp>
+        <p:nvSpPr>
+          <p:cNvPr id="6" name="Footer Placeholder 5"/>
+          <p:cNvSpPr>
+            <a:spLocks noGrp="1"/>
+          </p:cNvSpPr>
+          <p:nvPr>
+            <p:ph type="ftr" sz="quarter" idx="4"/>
+          </p:nvPr>
+        </p:nvSpPr>
+        <p:spPr>
+          <a:xfrm>
+            <a:off x="0" y="8685213"/>
+            <a:ext cx="2971800" cy="458787"/>
+          </a:xfrm>
+          <a:prstGeom prst="rect">
+            <a:avLst/>
+          </a:prstGeom>
+        </p:spPr>
+        <p:txBody>
+          <a:bodyPr vert="horz" lIns="91440" tIns="45720" rIns="91440" bIns="45720" rtlCol="0" anchor="b"/>
+          <a:lstStyle>
+            <a:lvl1pPr algn="l">
+              <a:defRPr sz="1200"/>
+            </a:lvl1pPr>
+          </a:lstStyle>
+          <a:p>
+            <a:endParaRPr lang="fr-CA"/>
+          </a:p>
+        </p:txBody>
+      </p:sp>
+      <p:sp>
+        <p:nvSpPr>
+          <p:cNvPr id="7" name="Slide Number Placeholder 6"/>
+          <p:cNvSpPr>
+            <a:spLocks noGrp="1"/>
+          </p:cNvSpPr>
+          <p:nvPr>
+            <p:ph type="sldNum" sz="quarter" idx="5"/>
+          </p:nvPr>
+        </p:nvSpPr>
+        <p:spPr>
+          <a:xfrm>
+            <a:off x="3884613" y="8685213"/>
+            <a:ext cx="2971800" cy="458787"/>
+          </a:xfrm>
+          <a:prstGeom prst="rect">
+            <a:avLst/>
+          </a:prstGeom>
+        </p:spPr>
+        <p:txBody>
+          <a:bodyPr vert="horz" lIns="91440" tIns="45720" rIns="91440" bIns="45720" rtlCol="0" anchor="b"/>
+          <a:lstStyle>
+            <a:lvl1pPr algn="r">
+              <a:defRPr sz="1200"/>
+            </a:lvl1pPr>
+          </a:lstStyle>
+          <a:p>
+            <a:fld id="{5459822E-BB00-41B6-B655-68AA45E11B75}" type="slidenum">
+              <a:rPr lang="fr-CA" smtClean="0"/>
+              <a:t>‹#›</a:t>
+            </a:fld>
+            <a:endParaRPr lang="fr-CA"/>
+          </a:p>
+        </p:txBody>
+      </p:sp>
+    </p:spTree>
+    <p:extLst>
+      <p:ext uri="{BB962C8B-B14F-4D97-AF65-F5344CB8AC3E}">
+        <p14:creationId xmlns:p14="http://schemas.microsoft.com/office/powerpoint/2010/main" val="3814067987"/>
+      </p:ext>
+    </p:extLst>
+  </p:cSld>
+  <p:clrMap bg1="lt1" tx1="dk1" bg2="lt2" tx2="dk2" accent1="accent1" accent2="accent2" accent3="accent3" accent4="accent4" accent5="accent5" accent6="accent6" hlink="hlink" folHlink="folHlink"/>
+  <p:notesStyle>
+    <a:lvl1pPr marL="0" algn="l" defTabSz="914400" rtl="0" eaLnBrk="1" latinLnBrk="0" hangingPunct="1">
+      <a:defRPr sz="1200" kern="1200">
+        <a:solidFill>
+          <a:schemeClr val="tx1"/>
+        </a:solidFill>
+        <a:latin typeface="+mn-lt"/>
+        <a:ea typeface="+mn-ea"/>
+        <a:cs typeface="+mn-cs"/>
+      </a:defRPr>
+    </a:lvl1pPr>
+    <a:lvl2pPr marL="457200" algn="l" defTabSz="914400" rtl="0" eaLnBrk="1" latinLnBrk="0" hangingPunct="1">
+      <a:defRPr sz="1200" kern="1200">
+        <a:solidFill>
+          <a:schemeClr val="tx1"/>
+        </a:solidFill>
+        <a:latin typeface="+mn-lt"/>
+        <a:ea typeface="+mn-ea"/>
+        <a:cs typeface="+mn-cs"/>
+      </a:defRPr>
+    </a:lvl2pPr>
+    <a:lvl3pPr marL="914400" algn="l" defTabSz="914400" rtl="0" eaLnBrk="1" latinLnBrk="0" hangingPunct="1">
+      <a:defRPr sz="1200" kern="1200">
+        <a:solidFill>
+          <a:schemeClr val="tx1"/>
+        </a:solidFill>
+        <a:latin typeface="+mn-lt"/>
+        <a:ea typeface="+mn-ea"/>
+        <a:cs typeface="+mn-cs"/>
+      </a:defRPr>
+    </a:lvl3pPr>
+    <a:lvl4pPr marL="1371600" algn="l" defTabSz="914400" rtl="0" eaLnBrk="1" latinLnBrk="0" hangingPunct="1">
+      <a:defRPr sz="1200" kern="1200">
+        <a:solidFill>
+          <a:schemeClr val="tx1"/>
+        </a:solidFill>
+        <a:latin typeface="+mn-lt"/>
+        <a:ea typeface="+mn-ea"/>
+        <a:cs typeface="+mn-cs"/>
+      </a:defRPr>
+    </a:lvl4pPr>
+    <a:lvl5pPr marL="1828800" algn="l" defTabSz="914400" rtl="0" eaLnBrk="1" latinLnBrk="0" hangingPunct="1">
+      <a:defRPr sz="1200" kern="1200">
+        <a:solidFill>
+          <a:schemeClr val="tx1"/>
+        </a:solidFill>
+        <a:latin typeface="+mn-lt"/>
+        <a:ea typeface="+mn-ea"/>
+        <a:cs typeface="+mn-cs"/>
+      </a:defRPr>
+    </a:lvl5pPr>
+    <a:lvl6pPr marL="2286000" algn="l" defTabSz="914400" rtl="0" eaLnBrk="1" latinLnBrk="0" hangingPunct="1">
+      <a:defRPr sz="1200" kern="1200">
+        <a:solidFill>
+          <a:schemeClr val="tx1"/>
+        </a:solidFill>
+        <a:latin typeface="+mn-lt"/>
+        <a:ea typeface="+mn-ea"/>
+        <a:cs typeface="+mn-cs"/>
+      </a:defRPr>
+    </a:lvl6pPr>
+    <a:lvl7pPr marL="2743200" algn="l" defTabSz="914400" rtl="0" eaLnBrk="1" latinLnBrk="0" hangingPunct="1">
+      <a:defRPr sz="1200" kern="1200">
+        <a:solidFill>
+          <a:schemeClr val="tx1"/>
+        </a:solidFill>
+        <a:latin typeface="+mn-lt"/>
+        <a:ea typeface="+mn-ea"/>
+        <a:cs typeface="+mn-cs"/>
+      </a:defRPr>
+    </a:lvl7pPr>
+    <a:lvl8pPr marL="3200400" algn="l" defTabSz="914400" rtl="0" eaLnBrk="1" latinLnBrk="0" hangingPunct="1">
+      <a:defRPr sz="1200" kern="1200">
+        <a:solidFill>
+          <a:schemeClr val="tx1"/>
+        </a:solidFill>
+        <a:latin typeface="+mn-lt"/>
+        <a:ea typeface="+mn-ea"/>
+        <a:cs typeface="+mn-cs"/>
+      </a:defRPr>
+    </a:lvl8pPr>
+    <a:lvl9pPr marL="3657600" algn="l" defTabSz="914400" rtl="0" eaLnBrk="1" latinLnBrk="0" hangingPunct="1">
+      <a:defRPr sz="1200" kern="1200">
+        <a:solidFill>
+          <a:schemeClr val="tx1"/>
+        </a:solidFill>
+        <a:latin typeface="+mn-lt"/>
+        <a:ea typeface="+mn-ea"/>
+        <a:cs typeface="+mn-cs"/>
+      </a:defRPr>
+    </a:lvl9pPr>
+  </p:notesStyle>
+</p:notesMaster>
+</file>
+
+<file path=ppt/notesSlides/notesSlide1.xml><?xml version="1.0" encoding="utf-8"?>
+<p:notes xmlns:a="http://schemas.openxmlformats.org/drawingml/2006/main" xmlns:r="http://schemas.openxmlformats.org/officeDocument/2006/relationships" xmlns:p="http://schemas.openxmlformats.org/presentationml/2006/main">
+  <p:cSld>
+    <p:spTree>
+      <p:nvGrpSpPr>
+        <p:cNvPr id="1" name=""/>
+        <p:cNvGrpSpPr/>
+        <p:nvPr/>
+      </p:nvGrpSpPr>
+      <p:grpSpPr>
+        <a:xfrm>
+          <a:off x="0" y="0"/>
+          <a:ext cx="0" cy="0"/>
+          <a:chOff x="0" y="0"/>
+          <a:chExt cx="0" cy="0"/>
+        </a:xfrm>
+      </p:grpSpPr>
+      <p:sp>
+        <p:nvSpPr>
+          <p:cNvPr id="2" name="Slide Image Placeholder 1"/>
+          <p:cNvSpPr>
+            <a:spLocks noGrp="1" noRot="1" noChangeAspect="1"/>
+          </p:cNvSpPr>
+          <p:nvPr>
+            <p:ph type="sldImg"/>
+          </p:nvPr>
+        </p:nvSpPr>
+        <p:spPr/>
+      </p:sp>
+      <p:sp>
+        <p:nvSpPr>
+          <p:cNvPr id="3" name="Notes Placeholder 2"/>
+          <p:cNvSpPr>
+            <a:spLocks noGrp="1"/>
+          </p:cNvSpPr>
+          <p:nvPr>
+            <p:ph type="body" idx="1"/>
+          </p:nvPr>
+        </p:nvSpPr>
+        <p:spPr/>
+        <p:txBody>
+          <a:bodyPr/>
+          <a:lstStyle/>
+          <a:p>
+            <a:endParaRPr lang="fr-CA" dirty="0"/>
+          </a:p>
+        </p:txBody>
+      </p:sp>
+      <p:sp>
+        <p:nvSpPr>
+          <p:cNvPr id="4" name="Slide Number Placeholder 3"/>
+          <p:cNvSpPr>
+            <a:spLocks noGrp="1"/>
+          </p:cNvSpPr>
+          <p:nvPr>
+            <p:ph type="sldNum" sz="quarter" idx="10"/>
+          </p:nvPr>
+        </p:nvSpPr>
+        <p:spPr/>
+        <p:txBody>
+          <a:bodyPr/>
+          <a:lstStyle/>
+          <a:p>
+            <a:fld id="{32584BC5-457F-402E-9B73-33AF72434078}" type="slidenum">
+              <a:rPr lang="fr-CA" smtClean="0"/>
+              <a:t>1</a:t>
+            </a:fld>
+            <a:endParaRPr lang="fr-CA"/>
+          </a:p>
+        </p:txBody>
+      </p:sp>
+    </p:spTree>
+    <p:extLst>
+      <p:ext uri="{BB962C8B-B14F-4D97-AF65-F5344CB8AC3E}">
+        <p14:creationId xmlns:p14="http://schemas.microsoft.com/office/powerpoint/2010/main" val="3258603529"/>
+      </p:ext>
+    </p:extLst>
+  </p:cSld>
+  <p:clrMapOvr>
+    <a:masterClrMapping/>
+  </p:clrMapOvr>
+</p:notes>
+</file>
+
 <file path=ppt/slideLayouts/slideLayout1.xml><?xml version="1.0" encoding="utf-8"?>
 <p:sldLayout xmlns:a="http://schemas.openxmlformats.org/drawingml/2006/main" xmlns:r="http://schemas.openxmlformats.org/officeDocument/2006/relationships" xmlns:p="http://schemas.openxmlformats.org/presentationml/2006/main" type="title" preserve="1">
   <p:cSld name="Diapositive de titre">
@@ -330,7 +768,7 @@
           <a:p>
             <a:fld id="{AA309A6D-C09C-4548-B29A-6CF363A7E532}" type="datetimeFigureOut">
               <a:rPr lang="fr-FR" smtClean="0"/>
-              <a:t>12/04/2019</a:t>
+              <a:t>23/04/2019</a:t>
             </a:fld>
             <a:endParaRPr lang="fr-BE"/>
           </a:p>
@@ -495,7 +933,7 @@
           <a:p>
             <a:fld id="{AA309A6D-C09C-4548-B29A-6CF363A7E532}" type="datetimeFigureOut">
               <a:rPr lang="fr-FR" smtClean="0"/>
-              <a:t>12/04/2019</a:t>
+              <a:t>23/04/2019</a:t>
             </a:fld>
             <a:endParaRPr lang="fr-BE"/>
           </a:p>
@@ -670,7 +1108,7 @@
           <a:p>
             <a:fld id="{AA309A6D-C09C-4548-B29A-6CF363A7E532}" type="datetimeFigureOut">
               <a:rPr lang="fr-FR" smtClean="0"/>
-              <a:t>12/04/2019</a:t>
+              <a:t>23/04/2019</a:t>
             </a:fld>
             <a:endParaRPr lang="fr-BE"/>
           </a:p>
@@ -927,7 +1365,7 @@
           <a:p>
             <a:fld id="{AA309A6D-C09C-4548-B29A-6CF363A7E532}" type="datetimeFigureOut">
               <a:rPr lang="fr-FR" smtClean="0"/>
-              <a:t>12/04/2019</a:t>
+              <a:t>23/04/2019</a:t>
             </a:fld>
             <a:endParaRPr lang="fr-BE"/>
           </a:p>
@@ -1168,7 +1606,7 @@
           <a:p>
             <a:fld id="{AA309A6D-C09C-4548-B29A-6CF363A7E532}" type="datetimeFigureOut">
               <a:rPr lang="fr-FR" smtClean="0"/>
-              <a:t>12/04/2019</a:t>
+              <a:t>23/04/2019</a:t>
             </a:fld>
             <a:endParaRPr lang="fr-BE"/>
           </a:p>
@@ -1451,7 +1889,7 @@
           <a:p>
             <a:fld id="{AA309A6D-C09C-4548-B29A-6CF363A7E532}" type="datetimeFigureOut">
               <a:rPr lang="fr-FR" smtClean="0"/>
-              <a:t>12/04/2019</a:t>
+              <a:t>23/04/2019</a:t>
             </a:fld>
             <a:endParaRPr lang="fr-BE"/>
           </a:p>
@@ -1868,7 +2306,7 @@
           <a:p>
             <a:fld id="{AA309A6D-C09C-4548-B29A-6CF363A7E532}" type="datetimeFigureOut">
               <a:rPr lang="fr-FR" smtClean="0"/>
-              <a:t>12/04/2019</a:t>
+              <a:t>23/04/2019</a:t>
             </a:fld>
             <a:endParaRPr lang="fr-BE"/>
           </a:p>
@@ -1981,7 +2419,7 @@
           <a:p>
             <a:fld id="{AA309A6D-C09C-4548-B29A-6CF363A7E532}" type="datetimeFigureOut">
               <a:rPr lang="fr-FR" smtClean="0"/>
-              <a:t>12/04/2019</a:t>
+              <a:t>23/04/2019</a:t>
             </a:fld>
             <a:endParaRPr lang="fr-BE"/>
           </a:p>
@@ -2071,7 +2509,7 @@
           <a:p>
             <a:fld id="{AA309A6D-C09C-4548-B29A-6CF363A7E532}" type="datetimeFigureOut">
               <a:rPr lang="fr-FR" smtClean="0"/>
-              <a:t>12/04/2019</a:t>
+              <a:t>23/04/2019</a:t>
             </a:fld>
             <a:endParaRPr lang="fr-BE"/>
           </a:p>
@@ -2343,7 +2781,7 @@
           <a:p>
             <a:fld id="{AA309A6D-C09C-4548-B29A-6CF363A7E532}" type="datetimeFigureOut">
               <a:rPr lang="fr-FR" smtClean="0"/>
-              <a:t>12/04/2019</a:t>
+              <a:t>23/04/2019</a:t>
             </a:fld>
             <a:endParaRPr lang="fr-BE"/>
           </a:p>
@@ -2591,7 +3029,7 @@
           <a:p>
             <a:fld id="{AA309A6D-C09C-4548-B29A-6CF363A7E532}" type="datetimeFigureOut">
               <a:rPr lang="fr-FR" smtClean="0"/>
-              <a:t>12/04/2019</a:t>
+              <a:t>23/04/2019</a:t>
             </a:fld>
             <a:endParaRPr lang="fr-BE"/>
           </a:p>
@@ -2799,7 +3237,7 @@
           <a:p>
             <a:fld id="{AA309A6D-C09C-4548-B29A-6CF363A7E532}" type="datetimeFigureOut">
               <a:rPr lang="fr-FR" smtClean="0"/>
-              <a:t>12/04/2019</a:t>
+              <a:t>23/04/2019</a:t>
             </a:fld>
             <a:endParaRPr lang="fr-BE"/>
           </a:p>
@@ -3156,6 +3594,14 @@
 <file path=ppt/slides/slide1.xml><?xml version="1.0" encoding="utf-8"?>
 <p:sld xmlns:a="http://schemas.openxmlformats.org/drawingml/2006/main" xmlns:r="http://schemas.openxmlformats.org/officeDocument/2006/relationships" xmlns:p="http://schemas.openxmlformats.org/presentationml/2006/main">
   <p:cSld>
+    <p:bg>
+      <p:bgPr>
+        <a:solidFill>
+          <a:schemeClr val="tx1"/>
+        </a:solidFill>
+        <a:effectLst/>
+      </p:bgPr>
+    </p:bg>
     <p:spTree>
       <p:nvGrpSpPr>
         <p:cNvPr id="1" name=""/>
@@ -3170,22 +3616,138 @@
           <a:chExt cx="0" cy="0"/>
         </a:xfrm>
       </p:grpSpPr>
-      <p:sp>
-        <p:nvSpPr>
-          <p:cNvPr id="7" name="CustomShape 3">
-            <a:extLst>
-              <a:ext uri="{FF2B5EF4-FFF2-40B4-BE49-F238E27FC236}">
-                <a16:creationId xmlns:a16="http://schemas.microsoft.com/office/drawing/2014/main" id="{F5D53986-38B9-4F94-94B6-79520D4E4069}"/>
-              </a:ext>
-            </a:extLst>
-          </p:cNvPr>
+    </p:spTree>
+    <p:extLst>
+      <p:ext uri="{BB962C8B-B14F-4D97-AF65-F5344CB8AC3E}">
+        <p14:creationId xmlns:p14="http://schemas.microsoft.com/office/powerpoint/2010/main" val="2063475468"/>
+      </p:ext>
+    </p:extLst>
+  </p:cSld>
+  <p:clrMapOvr>
+    <a:masterClrMapping/>
+  </p:clrMapOvr>
+  <p:timing>
+    <p:tnLst>
+      <p:par>
+        <p:cTn id="1" dur="indefinite" restart="never" nodeType="tmRoot"/>
+      </p:par>
+    </p:tnLst>
+  </p:timing>
+</p:sld>
+</file>
+
+<file path=ppt/slides/slide10.xml><?xml version="1.0" encoding="utf-8"?>
+<p:sld xmlns:a="http://schemas.openxmlformats.org/drawingml/2006/main" xmlns:r="http://schemas.openxmlformats.org/officeDocument/2006/relationships" xmlns:p="http://schemas.openxmlformats.org/presentationml/2006/main">
+  <p:cSld>
+    <p:spTree>
+      <p:nvGrpSpPr>
+        <p:cNvPr id="1" name=""/>
+        <p:cNvGrpSpPr/>
+        <p:nvPr/>
+      </p:nvGrpSpPr>
+      <p:grpSpPr>
+        <a:xfrm>
+          <a:off x="0" y="0"/>
+          <a:ext cx="0" cy="0"/>
+          <a:chOff x="0" y="0"/>
+          <a:chExt cx="0" cy="0"/>
+        </a:xfrm>
+      </p:grpSpPr>
+      <p:sp>
+        <p:nvSpPr>
+          <p:cNvPr id="238" name="TextShape 1"/>
+          <p:cNvSpPr txBox="1"/>
+          <p:nvPr/>
+        </p:nvSpPr>
+        <p:spPr>
+          <a:xfrm>
+            <a:off x="3088440" y="404664"/>
+            <a:ext cx="5587920" cy="2869560"/>
+          </a:xfrm>
+          <a:prstGeom prst="rect">
+            <a:avLst/>
+          </a:prstGeom>
+          <a:noFill/>
+          <a:ln>
+            <a:noFill/>
+          </a:ln>
+        </p:spPr>
+        <p:txBody>
+          <a:bodyPr anchor="ctr"/>
+          <a:lstStyle/>
+          <a:p>
+            <a:pPr algn="ctr">
+              <a:lnSpc>
+                <a:spcPct val="100000"/>
+              </a:lnSpc>
+              <a:spcBef>
+                <a:spcPts val="641"/>
+              </a:spcBef>
+            </a:pPr>
+            <a:r>
+              <a:rPr lang="fr-FR" sz="3200" i="1" spc="-1" dirty="0">
+                <a:solidFill>
+                  <a:srgbClr val="8B8B8B"/>
+                </a:solidFill>
+                <a:latin typeface="Arial Black"/>
+              </a:rPr>
+              <a:t>The best of</a:t>
+            </a:r>
+          </a:p>
+          <a:p>
+            <a:pPr algn="ctr">
+              <a:lnSpc>
+                <a:spcPct val="100000"/>
+              </a:lnSpc>
+              <a:spcBef>
+                <a:spcPts val="641"/>
+              </a:spcBef>
+            </a:pPr>
+            <a:r>
+              <a:rPr lang="fr-FR" sz="3200" i="1" spc="-1" dirty="0" err="1">
+                <a:solidFill>
+                  <a:srgbClr val="8B8B8B"/>
+                </a:solidFill>
+                <a:latin typeface="Arial Black"/>
+              </a:rPr>
+              <a:t>both</a:t>
+            </a:r>
+            <a:r>
+              <a:rPr lang="fr-FR" sz="3200" i="1" spc="-1" dirty="0">
+                <a:solidFill>
+                  <a:srgbClr val="8B8B8B"/>
+                </a:solidFill>
+                <a:latin typeface="Arial Black"/>
+              </a:rPr>
+              <a:t> </a:t>
+            </a:r>
+            <a:r>
+              <a:rPr lang="fr-FR" sz="3200" i="1" spc="-1" dirty="0" err="1">
+                <a:solidFill>
+                  <a:srgbClr val="8B8B8B"/>
+                </a:solidFill>
+                <a:latin typeface="Arial Black"/>
+              </a:rPr>
+              <a:t>brains</a:t>
+            </a:r>
+            <a:endParaRPr lang="fr-FR" sz="3200" spc="-1" dirty="0">
+              <a:solidFill>
+                <a:srgbClr val="004586"/>
+              </a:solidFill>
+            </a:endParaRPr>
+          </a:p>
+        </p:txBody>
+      </p:sp>
+      <p:sp>
+        <p:nvSpPr>
+          <p:cNvPr id="239" name="CustomShape 2"/>
           <p:cNvSpPr/>
           <p:nvPr/>
         </p:nvSpPr>
         <p:spPr>
           <a:xfrm>
-            <a:off x="4135544" y="3868992"/>
-            <a:ext cx="4642336" cy="2444760"/>
+            <a:off x="827584" y="3583776"/>
+            <a:ext cx="7920880" cy="2869560"/>
           </a:xfrm>
           <a:prstGeom prst="rect">
             <a:avLst/>
@@ -3208,283 +3770,218 @@
           <a:fontRef idx="minor"/>
         </p:style>
         <p:txBody>
-          <a:bodyPr anchor="ctr">
-            <a:normAutofit/>
-          </a:bodyPr>
+          <a:bodyPr lIns="90000" tIns="45000" rIns="90000" bIns="45000"/>
           <a:lstStyle/>
           <a:p>
-            <a:pPr algn="ctr">
+            <a:pPr>
               <a:lnSpc>
                 <a:spcPct val="100000"/>
               </a:lnSpc>
             </a:pPr>
             <a:r>
-              <a:rPr lang="fr-FR" sz="3200" b="1" strike="noStrike" spc="-1" dirty="0">
-                <a:solidFill>
-                  <a:schemeClr val="bg1">
-                    <a:lumMod val="50000"/>
-                  </a:schemeClr>
-                </a:solidFill>
-                <a:latin typeface="Arial Black"/>
-              </a:rPr>
-              <a:t>Introduction</a:t>
-            </a:r>
-            <a:br>
-              <a:rPr lang="fr-FR" sz="3200" b="1" strike="noStrike" spc="-1" dirty="0">
-                <a:solidFill>
-                  <a:schemeClr val="bg1">
-                    <a:lumMod val="50000"/>
-                  </a:schemeClr>
-                </a:solidFill>
-                <a:latin typeface="Arial Black"/>
-              </a:rPr>
-            </a:br>
-            <a:r>
-              <a:rPr lang="fr-FR" sz="1200" b="1" strike="noStrike" spc="-1" dirty="0">
-                <a:solidFill>
-                  <a:schemeClr val="bg1">
-                    <a:lumMod val="50000"/>
-                  </a:schemeClr>
-                </a:solidFill>
-                <a:latin typeface="Arial Black"/>
-              </a:rPr>
-              <a:t/>
-            </a:r>
-            <a:br>
-              <a:rPr lang="fr-FR" sz="1200" b="1" strike="noStrike" spc="-1" dirty="0">
-                <a:solidFill>
-                  <a:schemeClr val="bg1">
-                    <a:lumMod val="50000"/>
-                  </a:schemeClr>
-                </a:solidFill>
-                <a:latin typeface="Arial Black"/>
-              </a:rPr>
-            </a:br>
-            <a:r>
-              <a:rPr lang="fr-FR" sz="2400" b="1" strike="noStrike" spc="-1" dirty="0" smtClean="0">
-                <a:solidFill>
-                  <a:schemeClr val="bg1">
-                    <a:lumMod val="50000"/>
-                  </a:schemeClr>
-                </a:solidFill>
-                <a:latin typeface="Arial Black"/>
-              </a:rPr>
-              <a:t>to</a:t>
-            </a:r>
-            <a:endParaRPr lang="fr-FR" sz="1200" b="1" strike="noStrike" spc="-1" dirty="0">
+              <a:rPr lang="en-US" sz="1600" spc="-1" dirty="0" smtClean="0">
+                <a:solidFill>
+                  <a:srgbClr val="0070C0"/>
+                </a:solidFill>
+                <a:latin typeface="Arial Black"/>
+              </a:rPr>
+              <a:t>The </a:t>
+            </a:r>
+            <a:r>
+              <a:rPr lang="en-US" sz="1600" spc="-1" dirty="0">
+                <a:solidFill>
+                  <a:srgbClr val="0070C0"/>
+                </a:solidFill>
+                <a:latin typeface="Arial Black"/>
+              </a:rPr>
+              <a:t>effects of cognitive </a:t>
+            </a:r>
+            <a:r>
+              <a:rPr lang="en-US" sz="1600" spc="-1" dirty="0" smtClean="0">
+                <a:solidFill>
+                  <a:srgbClr val="0070C0"/>
+                </a:solidFill>
+                <a:latin typeface="Arial Black"/>
+              </a:rPr>
+              <a:t>biases </a:t>
+            </a:r>
+            <a:r>
+              <a:rPr lang="en-US" sz="1600" spc="-1" dirty="0">
+                <a:solidFill>
+                  <a:srgbClr val="0070C0"/>
+                </a:solidFill>
+                <a:latin typeface="Arial Black"/>
+              </a:rPr>
+              <a:t>are limited, </a:t>
+            </a:r>
+            <a:r>
+              <a:rPr lang="en-US" sz="1600" spc="-1" dirty="0" smtClean="0">
+                <a:solidFill>
+                  <a:srgbClr val="0070C0"/>
+                </a:solidFill>
+                <a:latin typeface="Arial Black"/>
+              </a:rPr>
+              <a:t>notably Confirmation Bias</a:t>
+            </a:r>
+            <a:endParaRPr lang="en-US" sz="1600" spc="-1" dirty="0">
               <a:solidFill>
-                <a:srgbClr val="1F497D"/>
+                <a:srgbClr val="0070C0"/>
               </a:solidFill>
               <a:latin typeface="Arial Black"/>
             </a:endParaRPr>
           </a:p>
           <a:p>
-            <a:pPr algn="ctr">
+            <a:pPr>
               <a:lnSpc>
                 <a:spcPct val="100000"/>
               </a:lnSpc>
             </a:pPr>
-            <a:r>
-              <a:rPr lang="fr-FR" sz="3200" b="1" spc="-1" dirty="0">
-                <a:solidFill>
-                  <a:srgbClr val="1F497D"/>
-                </a:solidFill>
-                <a:latin typeface="Arial Black"/>
-              </a:rPr>
-              <a:t>Pair </a:t>
-            </a:r>
-            <a:r>
-              <a:rPr lang="fr-FR" sz="3200" b="1" spc="-1" dirty="0" err="1">
-                <a:solidFill>
-                  <a:srgbClr val="1F497D"/>
-                </a:solidFill>
-                <a:latin typeface="Arial Black"/>
-              </a:rPr>
-              <a:t>Programming</a:t>
-            </a:r>
-            <a:endParaRPr lang="fr-FR" sz="3200" b="1" strike="noStrike" spc="-1" dirty="0">
+            <a:endParaRPr lang="en-US" sz="1600" spc="-1" dirty="0">
               <a:solidFill>
-                <a:srgbClr val="1F497D"/>
+                <a:srgbClr val="0070C0"/>
               </a:solidFill>
               <a:latin typeface="Arial Black"/>
             </a:endParaRPr>
           </a:p>
-        </p:txBody>
-      </p:sp>
-      <p:sp>
-        <p:nvSpPr>
-          <p:cNvPr id="8" name="TextShape 1">
-            <a:extLst>
-              <a:ext uri="{FF2B5EF4-FFF2-40B4-BE49-F238E27FC236}">
-                <a16:creationId xmlns:a16="http://schemas.microsoft.com/office/drawing/2014/main" id="{B5C753CA-24A2-4BF1-AEEA-A06D88999744}"/>
-              </a:ext>
-            </a:extLst>
-          </p:cNvPr>
-          <p:cNvSpPr txBox="1"/>
-          <p:nvPr/>
-        </p:nvSpPr>
-        <p:spPr>
-          <a:xfrm>
-            <a:off x="395536" y="493070"/>
-            <a:ext cx="8382344" cy="2314138"/>
-          </a:xfrm>
-          <a:prstGeom prst="rect">
-            <a:avLst/>
-          </a:prstGeom>
-          <a:noFill/>
-          <a:ln>
-            <a:noFill/>
-          </a:ln>
-        </p:spPr>
-        <p:txBody>
-          <a:bodyPr anchor="ctr">
-            <a:normAutofit fontScale="92500"/>
-          </a:bodyPr>
-          <a:lstStyle/>
-          <a:p>
-            <a:pPr algn="ctr">
+          <a:p>
+            <a:pPr>
               <a:lnSpc>
                 <a:spcPct val="100000"/>
               </a:lnSpc>
             </a:pPr>
-            <a:r>
-              <a:rPr lang="fr-FR" sz="4800" b="1" spc="-1" dirty="0" err="1" smtClean="0">
-                <a:solidFill>
-                  <a:srgbClr val="1F497D"/>
-                </a:solidFill>
-                <a:latin typeface="Arial Black"/>
-              </a:rPr>
-              <a:t>Coding</a:t>
-            </a:r>
-            <a:r>
-              <a:rPr lang="fr-FR" sz="4800" b="1" spc="-1" dirty="0" smtClean="0">
-                <a:solidFill>
-                  <a:srgbClr val="1F497D"/>
-                </a:solidFill>
-                <a:latin typeface="Arial Black"/>
-              </a:rPr>
-              <a:t> </a:t>
-            </a:r>
-            <a:r>
-              <a:rPr lang="fr-FR" sz="4800" b="1" spc="-1" dirty="0" err="1" smtClean="0">
-                <a:solidFill>
-                  <a:srgbClr val="1F497D"/>
-                </a:solidFill>
-                <a:latin typeface="Arial Black"/>
-              </a:rPr>
-              <a:t>is</a:t>
-            </a:r>
-            <a:r>
-              <a:rPr lang="fr-FR" sz="4800" b="1" spc="-1" dirty="0" smtClean="0">
-                <a:solidFill>
-                  <a:srgbClr val="1F497D"/>
-                </a:solidFill>
-                <a:latin typeface="Arial Black"/>
-              </a:rPr>
-              <a:t> </a:t>
-            </a:r>
-            <a:r>
-              <a:rPr lang="fr-FR" sz="4800" b="1" spc="-1" dirty="0" err="1" smtClean="0">
-                <a:solidFill>
-                  <a:srgbClr val="1F497D"/>
-                </a:solidFill>
-                <a:latin typeface="Arial Black"/>
-              </a:rPr>
-              <a:t>great</a:t>
-            </a:r>
-            <a:endParaRPr lang="fr-FR" sz="4800" spc="-1" dirty="0"/>
-          </a:p>
-          <a:p>
-            <a:pPr algn="ctr">
+            <a:endParaRPr lang="en-US" sz="1600" spc="-1" dirty="0">
+              <a:solidFill>
+                <a:srgbClr val="0070C0"/>
+              </a:solidFill>
+              <a:latin typeface="Arial Black"/>
+            </a:endParaRPr>
+          </a:p>
+          <a:p>
+            <a:pPr>
               <a:lnSpc>
                 <a:spcPct val="100000"/>
               </a:lnSpc>
             </a:pPr>
             <a:r>
-              <a:rPr lang="fr-FR" sz="3200" b="1" spc="-1" dirty="0" smtClean="0">
-                <a:solidFill>
-                  <a:schemeClr val="bg1">
-                    <a:lumMod val="50000"/>
-                  </a:schemeClr>
-                </a:solidFill>
-                <a:latin typeface="Arial Black"/>
-              </a:rPr>
-              <a:t>but</a:t>
-            </a:r>
-            <a:endParaRPr lang="fr-FR" sz="3200" spc="-1" dirty="0">
+              <a:rPr lang="en-US" sz="1600" spc="-1" dirty="0" smtClean="0">
+                <a:solidFill>
+                  <a:srgbClr val="0070C0"/>
+                </a:solidFill>
+                <a:latin typeface="Arial Black"/>
+              </a:rPr>
+              <a:t>The feedback loop is as short as possible</a:t>
+            </a:r>
+            <a:endParaRPr lang="en-US" sz="1600" spc="-1" dirty="0">
               <a:solidFill>
-                <a:schemeClr val="bg1">
-                  <a:lumMod val="50000"/>
-                </a:schemeClr>
+                <a:srgbClr val="0070C0"/>
               </a:solidFill>
+              <a:latin typeface="Arial Black"/>
             </a:endParaRPr>
           </a:p>
           <a:p>
-            <a:pPr algn="ctr">
+            <a:pPr>
               <a:lnSpc>
                 <a:spcPct val="100000"/>
               </a:lnSpc>
             </a:pPr>
-            <a:r>
-              <a:rPr lang="fr-FR" sz="4800" b="1" spc="-1" dirty="0" err="1" smtClean="0">
-                <a:solidFill>
-                  <a:srgbClr val="1F497D"/>
-                </a:solidFill>
-                <a:latin typeface="Arial Black"/>
-              </a:rPr>
-              <a:t>coding</a:t>
-            </a:r>
-            <a:r>
-              <a:rPr lang="fr-FR" sz="4800" b="1" spc="-1" dirty="0" smtClean="0">
-                <a:solidFill>
-                  <a:srgbClr val="1F497D"/>
-                </a:solidFill>
-                <a:latin typeface="Arial Black"/>
-              </a:rPr>
-              <a:t> as a pair </a:t>
-            </a:r>
-            <a:r>
-              <a:rPr lang="fr-FR" sz="4800" b="1" spc="-1" dirty="0" err="1" smtClean="0">
-                <a:solidFill>
-                  <a:srgbClr val="1F497D"/>
-                </a:solidFill>
-                <a:latin typeface="Arial Black"/>
-              </a:rPr>
-              <a:t>is</a:t>
-            </a:r>
-            <a:r>
-              <a:rPr lang="fr-FR" sz="4800" b="1" spc="-1" dirty="0" smtClean="0">
-                <a:solidFill>
-                  <a:srgbClr val="1F497D"/>
-                </a:solidFill>
-                <a:latin typeface="Arial Black"/>
-              </a:rPr>
-              <a:t> </a:t>
-            </a:r>
-            <a:r>
-              <a:rPr lang="fr-FR" sz="4800" b="1" spc="-1" dirty="0" err="1" smtClean="0">
-                <a:solidFill>
-                  <a:srgbClr val="1F497D"/>
-                </a:solidFill>
-                <a:latin typeface="Arial Black"/>
-              </a:rPr>
-              <a:t>better</a:t>
-            </a:r>
-            <a:endParaRPr lang="fr-FR" sz="4800" b="0" strike="noStrike" spc="-1" dirty="0">
+            <a:endParaRPr lang="en-US" sz="1600" spc="-1" dirty="0">
               <a:solidFill>
-                <a:srgbClr val="000000"/>
+                <a:srgbClr val="0070C0"/>
               </a:solidFill>
-              <a:latin typeface="Calibri"/>
+              <a:latin typeface="Arial Black"/>
+            </a:endParaRPr>
+          </a:p>
+          <a:p>
+            <a:pPr>
+              <a:lnSpc>
+                <a:spcPct val="100000"/>
+              </a:lnSpc>
+            </a:pPr>
+            <a:endParaRPr lang="en-US" sz="1600" spc="-1" dirty="0">
+              <a:solidFill>
+                <a:srgbClr val="0070C0"/>
+              </a:solidFill>
+              <a:latin typeface="Arial Black"/>
+            </a:endParaRPr>
+          </a:p>
+          <a:p>
+            <a:pPr>
+              <a:lnSpc>
+                <a:spcPct val="100000"/>
+              </a:lnSpc>
+            </a:pPr>
+            <a:r>
+              <a:rPr lang="en-US" sz="1600" spc="-1" dirty="0">
+                <a:solidFill>
+                  <a:srgbClr val="0070C0"/>
+                </a:solidFill>
+                <a:latin typeface="Arial Black"/>
+              </a:rPr>
+              <a:t>The intention must always be clearly expressed</a:t>
+            </a:r>
+            <a:endParaRPr lang="en-US" sz="1600" spc="-1" dirty="0" smtClean="0">
+              <a:solidFill>
+                <a:srgbClr val="0070C0"/>
+              </a:solidFill>
+              <a:latin typeface="Arial Black"/>
+            </a:endParaRPr>
+          </a:p>
+          <a:p>
+            <a:pPr>
+              <a:lnSpc>
+                <a:spcPct val="100000"/>
+              </a:lnSpc>
+            </a:pPr>
+            <a:endParaRPr lang="en-US" sz="1600" spc="-1" dirty="0">
+              <a:solidFill>
+                <a:srgbClr val="0070C0"/>
+              </a:solidFill>
+              <a:latin typeface="Arial Black"/>
+            </a:endParaRPr>
+          </a:p>
+          <a:p>
+            <a:pPr>
+              <a:lnSpc>
+                <a:spcPct val="100000"/>
+              </a:lnSpc>
+            </a:pPr>
+            <a:endParaRPr lang="en-US" sz="1600" spc="-1" dirty="0">
+              <a:solidFill>
+                <a:srgbClr val="0070C0"/>
+              </a:solidFill>
+              <a:latin typeface="Arial Black"/>
+            </a:endParaRPr>
+          </a:p>
+          <a:p>
+            <a:pPr>
+              <a:lnSpc>
+                <a:spcPct val="100000"/>
+              </a:lnSpc>
+            </a:pPr>
+            <a:r>
+              <a:rPr lang="en-US" sz="1600" spc="-1" dirty="0" smtClean="0">
+                <a:solidFill>
+                  <a:srgbClr val="0070C0"/>
+                </a:solidFill>
+                <a:latin typeface="Arial Black"/>
+              </a:rPr>
+              <a:t>The designing aspect of development is strengthened </a:t>
+            </a:r>
+            <a:endParaRPr lang="en-US" sz="1600" spc="-1" dirty="0">
+              <a:solidFill>
+                <a:srgbClr val="0070C0"/>
+              </a:solidFill>
+              <a:latin typeface="Arial Black"/>
             </a:endParaRPr>
           </a:p>
         </p:txBody>
       </p:sp>
       <p:pic>
         <p:nvPicPr>
-          <p:cNvPr id="9" name="Image 8">
+          <p:cNvPr id="6" name="Image 5">
             <a:extLst>
               <a:ext uri="{FF2B5EF4-FFF2-40B4-BE49-F238E27FC236}">
-                <a16:creationId xmlns:a16="http://schemas.microsoft.com/office/drawing/2014/main" id="{A2912F61-7091-4F6F-B6F0-6A42D5EA8F13}"/>
+                <a16:creationId xmlns:a16="http://schemas.microsoft.com/office/drawing/2014/main" id="{423BB192-DCF3-44B0-B2A5-6D718EBE45D5}"/>
               </a:ext>
             </a:extLst>
           </p:cNvPr>
@@ -3494,7 +3991,7 @@
           <p:nvPr/>
         </p:nvPicPr>
         <p:blipFill>
-          <a:blip r:embed="rId2" cstate="print">
+          <a:blip r:embed="rId2">
             <a:extLst>
               <a:ext uri="{28A0092B-C50C-407E-A947-70E740481C1C}">
                 <a14:useLocalDpi xmlns:a14="http://schemas.microsoft.com/office/drawing/2010/main" val="0"/>
@@ -3506,9 +4003,9 @@
           </a:stretch>
         </p:blipFill>
         <p:spPr>
-          <a:xfrm rot="20623937">
-            <a:off x="710591" y="3513728"/>
-            <a:ext cx="3419872" cy="1709936"/>
+          <a:xfrm>
+            <a:off x="611560" y="586010"/>
+            <a:ext cx="2376264" cy="2376264"/>
           </a:xfrm>
           <a:prstGeom prst="rect">
             <a:avLst/>
@@ -3516,6 +4013,11 @@
         </p:spPr>
       </p:pic>
     </p:spTree>
+    <p:extLst>
+      <p:ext uri="{BB962C8B-B14F-4D97-AF65-F5344CB8AC3E}">
+        <p14:creationId xmlns:p14="http://schemas.microsoft.com/office/powerpoint/2010/main" val="870178206"/>
+      </p:ext>
+    </p:extLst>
   </p:cSld>
   <p:clrMapOvr>
     <a:masterClrMapping/>
@@ -3550,7 +4052,7 @@
 </p:sld>
 </file>
 
-<file path=ppt/slides/slide10.xml><?xml version="1.0" encoding="utf-8"?>
+<file path=ppt/slides/slide11.xml><?xml version="1.0" encoding="utf-8"?>
 <p:sld xmlns:a="http://schemas.openxmlformats.org/drawingml/2006/main" xmlns:r="http://schemas.openxmlformats.org/officeDocument/2006/relationships" xmlns:p="http://schemas.openxmlformats.org/presentationml/2006/main">
   <p:cSld>
     <p:spTree>
@@ -3690,7 +4192,7 @@
 </p:sld>
 </file>
 
-<file path=ppt/slides/slide11.xml><?xml version="1.0" encoding="utf-8"?>
+<file path=ppt/slides/slide12.xml><?xml version="1.0" encoding="utf-8"?>
 <p:sld xmlns:a="http://schemas.openxmlformats.org/drawingml/2006/main" xmlns:r="http://schemas.openxmlformats.org/officeDocument/2006/relationships" xmlns:p="http://schemas.openxmlformats.org/presentationml/2006/main">
   <p:cSld>
     <p:spTree>
@@ -3826,12 +4328,6 @@
               </a:rPr>
               <a:t>involvement</a:t>
             </a:r>
-            <a:endParaRPr lang="en-US" sz="1600" spc="-1" dirty="0">
-              <a:solidFill>
-                <a:srgbClr val="0070C0"/>
-              </a:solidFill>
-              <a:latin typeface="Arial Black"/>
-            </a:endParaRPr>
           </a:p>
           <a:p>
             <a:pPr>
@@ -3872,7 +4368,7 @@
                 </a:solidFill>
                 <a:latin typeface="Arial Black"/>
               </a:rPr>
-              <a:t>It </a:t>
+              <a:t>This practice </a:t>
             </a:r>
             <a:r>
               <a:rPr lang="en-US" sz="1600" spc="-1" dirty="0">
@@ -3881,7 +4377,7 @@
                 </a:solidFill>
                 <a:latin typeface="Arial Black"/>
               </a:rPr>
-              <a:t>also limits </a:t>
+              <a:t>limits </a:t>
             </a:r>
             <a:r>
               <a:rPr lang="en-US" sz="1600" spc="-1" dirty="0" smtClean="0">
@@ -3890,16 +4386,34 @@
                 </a:solidFill>
                 <a:latin typeface="Arial Black"/>
               </a:rPr>
-              <a:t>problems of ego, and </a:t>
-            </a:r>
-            <a:r>
-              <a:rPr lang="en-US" sz="1600" spc="-1" dirty="0">
+              <a:t>problems of ego, </a:t>
+            </a:r>
+            <a:r>
+              <a:rPr lang="en-US" sz="1600" spc="-1" smtClean="0">
                 <a:solidFill>
                   <a:srgbClr val="0070C0"/>
                 </a:solidFill>
                 <a:latin typeface="Arial Black"/>
               </a:rPr>
-              <a:t>scapegoating</a:t>
+              <a:t>and </a:t>
+            </a:r>
+            <a:r>
+              <a:rPr lang="en-US" sz="1600" spc="-1" smtClean="0">
+                <a:solidFill>
+                  <a:srgbClr val="0070C0"/>
+                </a:solidFill>
+                <a:latin typeface="Arial Black"/>
+              </a:rPr>
+              <a:t>also “blame</a:t>
+            </a:r>
+            <a:r>
+              <a:rPr lang="en-US" sz="1600" spc="-1" dirty="0" smtClean="0">
+                <a:solidFill>
+                  <a:srgbClr val="0070C0"/>
+                </a:solidFill>
+                <a:latin typeface="Arial Black"/>
+              </a:rPr>
+              <a:t> culture”</a:t>
             </a:r>
             <a:endParaRPr lang="en-US" sz="1600" spc="-1" dirty="0">
               <a:solidFill>
@@ -3958,12 +4472,6 @@
               </a:rPr>
               <a:t>distribution of knowledge and skills is facilitated</a:t>
             </a:r>
-            <a:endParaRPr lang="en-US" sz="1600" spc="-1" dirty="0">
-              <a:solidFill>
-                <a:srgbClr val="0070C0"/>
-              </a:solidFill>
-              <a:latin typeface="Arial Black"/>
-            </a:endParaRPr>
           </a:p>
           <a:p>
             <a:pPr>
@@ -4034,7 +4542,7 @@
               <a:t>phase is generally </a:t>
             </a:r>
             <a:r>
-              <a:rPr lang="en-US" sz="1600" spc="-1" smtClean="0">
+              <a:rPr lang="en-US" sz="1600" spc="-1" dirty="0" smtClean="0">
                 <a:solidFill>
                   <a:srgbClr val="0070C0"/>
                 </a:solidFill>
@@ -4051,12 +4559,6 @@
               </a:rPr>
               <a:t>laborious</a:t>
             </a:r>
-            <a:endParaRPr lang="en-US" sz="1600" spc="-1" dirty="0">
-              <a:solidFill>
-                <a:srgbClr val="0070C0"/>
-              </a:solidFill>
-              <a:latin typeface="Arial Black"/>
-            </a:endParaRPr>
           </a:p>
           <a:p>
             <a:pPr>
@@ -4197,7 +4699,7 @@
 </p:sld>
 </file>
 
-<file path=ppt/slides/slide12.xml><?xml version="1.0" encoding="utf-8"?>
+<file path=ppt/slides/slide13.xml><?xml version="1.0" encoding="utf-8"?>
 <p:sld xmlns:a="http://schemas.openxmlformats.org/drawingml/2006/main" xmlns:r="http://schemas.openxmlformats.org/officeDocument/2006/relationships" xmlns:p="http://schemas.openxmlformats.org/presentationml/2006/main">
   <p:cSld>
     <p:spTree>
@@ -4416,7 +4918,7 @@
 </p:sld>
 </file>
 
-<file path=ppt/slides/slide13.xml><?xml version="1.0" encoding="utf-8"?>
+<file path=ppt/slides/slide14.xml><?xml version="1.0" encoding="utf-8"?>
 <p:sld xmlns:a="http://schemas.openxmlformats.org/drawingml/2006/main" xmlns:r="http://schemas.openxmlformats.org/officeDocument/2006/relationships" xmlns:p="http://schemas.openxmlformats.org/presentationml/2006/main">
   <p:cSld>
     <p:spTree>
@@ -4599,12 +5101,6 @@
               </a:rPr>
               <a:t>Having been conceived together, these two practices are complementary</a:t>
             </a:r>
-            <a:endParaRPr lang="en-US" sz="1600" spc="-1" dirty="0">
-              <a:solidFill>
-                <a:srgbClr val="0070C0"/>
-              </a:solidFill>
-              <a:latin typeface="Arial Black"/>
-            </a:endParaRPr>
           </a:p>
           <a:p>
             <a:pPr>
@@ -4707,16 +5203,7 @@
                 </a:solidFill>
                 <a:latin typeface="Arial Black"/>
               </a:rPr>
-              <a:t>  - </a:t>
-            </a:r>
-            <a:r>
-              <a:rPr lang="en-US" sz="1600" spc="-1" dirty="0" smtClean="0">
-                <a:solidFill>
-                  <a:srgbClr val="0070C0"/>
-                </a:solidFill>
-                <a:latin typeface="Arial Black"/>
-              </a:rPr>
-              <a:t>the pilot writes a failing test and passes the keyboard to the navigator</a:t>
+              <a:t>  - the pilot writes a failing test and passes the keyboard to the navigator</a:t>
             </a:r>
             <a:endParaRPr lang="en-US" sz="1600" spc="-1" dirty="0">
               <a:solidFill>
@@ -4778,16 +5265,7 @@
                 </a:solidFill>
                 <a:latin typeface="Arial Black"/>
               </a:rPr>
-              <a:t>the navigator – thus </a:t>
-            </a:r>
-            <a:r>
-              <a:rPr lang="en-US" sz="1600" spc="-1" dirty="0" smtClean="0">
-                <a:solidFill>
-                  <a:srgbClr val="0070C0"/>
-                </a:solidFill>
-                <a:latin typeface="Arial Black"/>
-              </a:rPr>
-              <a:t>becoming the pilot – codes to make the test pass, </a:t>
+              <a:t>the navigator – thus becoming the pilot – codes to make the test pass, </a:t>
             </a:r>
           </a:p>
           <a:p>
@@ -4961,7 +5439,7 @@
 </p:sld>
 </file>
 
-<file path=ppt/slides/slide14.xml><?xml version="1.0" encoding="utf-8"?>
+<file path=ppt/slides/slide15.xml><?xml version="1.0" encoding="utf-8"?>
 <p:sld xmlns:a="http://schemas.openxmlformats.org/drawingml/2006/main" xmlns:r="http://schemas.openxmlformats.org/officeDocument/2006/relationships" xmlns:p="http://schemas.openxmlformats.org/presentationml/2006/main">
   <p:cSld>
     <p:spTree>
@@ -5121,7 +5599,7 @@
 </p:sld>
 </file>
 
-<file path=ppt/slides/slide15.xml><?xml version="1.0" encoding="utf-8"?>
+<file path=ppt/slides/slide16.xml><?xml version="1.0" encoding="utf-8"?>
 <p:sld xmlns:a="http://schemas.openxmlformats.org/drawingml/2006/main" xmlns:r="http://schemas.openxmlformats.org/officeDocument/2006/relationships" xmlns:p="http://schemas.openxmlformats.org/presentationml/2006/main">
   <p:cSld>
     <p:spTree>
@@ -5148,6 +5626,7 @@
         </p:nvPicPr>
         <p:blipFill>
           <a:blip r:embed="rId2">
+            <a:grayscl/>
             <a:extLst>
               <a:ext uri="{28A0092B-C50C-407E-A947-70E740481C1C}">
                 <a14:useLocalDpi xmlns:a14="http://schemas.microsoft.com/office/drawing/2010/main" val="0"/>
@@ -5207,14 +5686,20 @@
       </p:grpSpPr>
       <p:sp>
         <p:nvSpPr>
-          <p:cNvPr id="92" name="TextShape 1"/>
-          <p:cNvSpPr txBox="1"/>
+          <p:cNvPr id="7" name="CustomShape 3">
+            <a:extLst>
+              <a:ext uri="{FF2B5EF4-FFF2-40B4-BE49-F238E27FC236}">
+                <a16:creationId xmlns:a16="http://schemas.microsoft.com/office/drawing/2014/main" id="{F5D53986-38B9-4F94-94B6-79520D4E4069}"/>
+              </a:ext>
+            </a:extLst>
+          </p:cNvPr>
+          <p:cNvSpPr/>
           <p:nvPr/>
         </p:nvSpPr>
         <p:spPr>
           <a:xfrm>
-            <a:off x="457200" y="476640"/>
-            <a:ext cx="8229240" cy="5904360"/>
+            <a:off x="4135544" y="3868992"/>
+            <a:ext cx="4642336" cy="2444760"/>
           </a:xfrm>
           <a:prstGeom prst="rect">
             <a:avLst/>
@@ -5224,50 +5709,87 @@
             <a:noFill/>
           </a:ln>
         </p:spPr>
-        <p:txBody>
-          <a:bodyPr anchor="ctr"/>
+        <p:style>
+          <a:lnRef idx="0">
+            <a:scrgbClr r="0" g="0" b="0"/>
+          </a:lnRef>
+          <a:fillRef idx="0">
+            <a:scrgbClr r="0" g="0" b="0"/>
+          </a:fillRef>
+          <a:effectRef idx="0">
+            <a:scrgbClr r="0" g="0" b="0"/>
+          </a:effectRef>
+          <a:fontRef idx="minor"/>
+        </p:style>
+        <p:txBody>
+          <a:bodyPr anchor="ctr">
+            <a:normAutofit/>
+          </a:bodyPr>
           <a:lstStyle/>
           <a:p>
             <a:pPr algn="ctr">
               <a:lnSpc>
                 <a:spcPct val="100000"/>
               </a:lnSpc>
-              <a:spcBef>
-                <a:spcPts val="641"/>
-              </a:spcBef>
             </a:pPr>
             <a:r>
-              <a:rPr lang="fr-FR" sz="3200" b="0" strike="noStrike" spc="-1" dirty="0" smtClean="0">
-                <a:solidFill>
-                  <a:srgbClr val="8B8B8B"/>
-                </a:solidFill>
-                <a:latin typeface="Arial Black"/>
-              </a:rPr>
-              <a:t>So, Pair </a:t>
-            </a:r>
-            <a:r>
-              <a:rPr lang="fr-FR" sz="3200" b="0" strike="noStrike" spc="-1" dirty="0" err="1">
-                <a:solidFill>
-                  <a:srgbClr val="8B8B8B"/>
-                </a:solidFill>
-                <a:latin typeface="Arial Black"/>
-              </a:rPr>
-              <a:t>Programming</a:t>
-            </a:r>
-            <a:r>
-              <a:rPr lang="fr-FR" sz="3200" b="0" strike="noStrike" spc="-1" dirty="0">
-                <a:solidFill>
-                  <a:srgbClr val="8B8B8B"/>
-                </a:solidFill>
-                <a:latin typeface="Arial Black"/>
-              </a:rPr>
-              <a:t> … </a:t>
-            </a:r>
-            <a:endParaRPr lang="fr-FR" sz="3200" b="0" strike="noStrike" spc="-1" dirty="0">
+              <a:rPr lang="fr-FR" sz="3200" b="1" strike="noStrike" spc="-1" dirty="0">
+                <a:solidFill>
+                  <a:schemeClr val="bg1">
+                    <a:lumMod val="50000"/>
+                  </a:schemeClr>
+                </a:solidFill>
+                <a:latin typeface="Arial Black"/>
+              </a:rPr>
+              <a:t>Introduction</a:t>
+            </a:r>
+            <a:br>
+              <a:rPr lang="fr-FR" sz="3200" b="1" strike="noStrike" spc="-1" dirty="0">
+                <a:solidFill>
+                  <a:schemeClr val="bg1">
+                    <a:lumMod val="50000"/>
+                  </a:schemeClr>
+                </a:solidFill>
+                <a:latin typeface="Arial Black"/>
+              </a:rPr>
+            </a:br>
+            <a:r>
+              <a:rPr lang="fr-FR" sz="1200" b="1" strike="noStrike" spc="-1" dirty="0">
+                <a:solidFill>
+                  <a:schemeClr val="bg1">
+                    <a:lumMod val="50000"/>
+                  </a:schemeClr>
+                </a:solidFill>
+                <a:latin typeface="Arial Black"/>
+              </a:rPr>
+              <a:t/>
+            </a:r>
+            <a:br>
+              <a:rPr lang="fr-FR" sz="1200" b="1" strike="noStrike" spc="-1" dirty="0">
+                <a:solidFill>
+                  <a:schemeClr val="bg1">
+                    <a:lumMod val="50000"/>
+                  </a:schemeClr>
+                </a:solidFill>
+                <a:latin typeface="Arial Black"/>
+              </a:rPr>
+            </a:br>
+            <a:r>
+              <a:rPr lang="fr-FR" sz="2400" b="1" strike="noStrike" spc="-1" dirty="0" smtClean="0">
+                <a:solidFill>
+                  <a:schemeClr val="bg1">
+                    <a:lumMod val="50000"/>
+                  </a:schemeClr>
+                </a:solidFill>
+                <a:latin typeface="Arial Black"/>
+              </a:rPr>
+              <a:t>to</a:t>
+            </a:r>
+            <a:endParaRPr lang="fr-FR" sz="1200" b="1" strike="noStrike" spc="-1" dirty="0">
               <a:solidFill>
-                <a:srgbClr val="004586"/>
+                <a:srgbClr val="1F497D"/>
               </a:solidFill>
-              <a:latin typeface="Calibri"/>
+              <a:latin typeface="Arial Black"/>
             </a:endParaRPr>
           </a:p>
           <a:p>
@@ -5275,98 +5797,284 @@
               <a:lnSpc>
                 <a:spcPct val="100000"/>
               </a:lnSpc>
-              <a:spcBef>
-                <a:spcPts val="641"/>
-              </a:spcBef>
             </a:pPr>
-            <a:endParaRPr lang="fr-FR" sz="3200" b="0" strike="noStrike" spc="-1" dirty="0">
+            <a:r>
+              <a:rPr lang="fr-FR" sz="3200" b="1" spc="-1" dirty="0">
+                <a:solidFill>
+                  <a:srgbClr val="1F497D"/>
+                </a:solidFill>
+                <a:latin typeface="Arial Black"/>
+              </a:rPr>
+              <a:t>Pair </a:t>
+            </a:r>
+            <a:r>
+              <a:rPr lang="fr-FR" sz="3200" b="1" spc="-1" dirty="0" err="1">
+                <a:solidFill>
+                  <a:srgbClr val="1F497D"/>
+                </a:solidFill>
+                <a:latin typeface="Arial Black"/>
+              </a:rPr>
+              <a:t>Programming</a:t>
+            </a:r>
+            <a:endParaRPr lang="fr-FR" sz="3200" b="1" strike="noStrike" spc="-1" dirty="0">
               <a:solidFill>
-                <a:srgbClr val="004586"/>
+                <a:srgbClr val="1F497D"/>
               </a:solidFill>
-              <a:latin typeface="Calibri"/>
+              <a:latin typeface="Arial Black"/>
             </a:endParaRPr>
           </a:p>
+        </p:txBody>
+      </p:sp>
+      <p:sp>
+        <p:nvSpPr>
+          <p:cNvPr id="8" name="TextShape 1">
+            <a:extLst>
+              <a:ext uri="{FF2B5EF4-FFF2-40B4-BE49-F238E27FC236}">
+                <a16:creationId xmlns:a16="http://schemas.microsoft.com/office/drawing/2014/main" id="{B5C753CA-24A2-4BF1-AEEA-A06D88999744}"/>
+              </a:ext>
+            </a:extLst>
+          </p:cNvPr>
+          <p:cNvSpPr txBox="1"/>
+          <p:nvPr/>
+        </p:nvSpPr>
+        <p:spPr>
+          <a:xfrm>
+            <a:off x="395536" y="493070"/>
+            <a:ext cx="8382344" cy="2314138"/>
+          </a:xfrm>
+          <a:prstGeom prst="rect">
+            <a:avLst/>
+          </a:prstGeom>
+          <a:noFill/>
+          <a:ln>
+            <a:noFill/>
+          </a:ln>
+        </p:spPr>
+        <p:txBody>
+          <a:bodyPr anchor="ctr">
+            <a:normAutofit fontScale="92500"/>
+          </a:bodyPr>
+          <a:lstStyle/>
           <a:p>
             <a:pPr algn="ctr">
               <a:lnSpc>
                 <a:spcPct val="100000"/>
               </a:lnSpc>
-              <a:spcBef>
-                <a:spcPts val="641"/>
-              </a:spcBef>
             </a:pPr>
             <a:r>
-              <a:rPr lang="fr-FR" sz="3200" b="0" strike="noStrike" spc="-1" dirty="0">
-                <a:solidFill>
-                  <a:srgbClr val="8B8B8B"/>
-                </a:solidFill>
-                <a:latin typeface="Arial Black"/>
-              </a:rPr>
-              <a:t>… </a:t>
-            </a:r>
-            <a:r>
-              <a:rPr lang="fr-FR" sz="3200" b="0" strike="noStrike" spc="-1" dirty="0" err="1" smtClean="0">
-                <a:solidFill>
-                  <a:srgbClr val="8B8B8B"/>
-                </a:solidFill>
-                <a:latin typeface="Arial Black"/>
-              </a:rPr>
-              <a:t>what</a:t>
-            </a:r>
-            <a:r>
-              <a:rPr lang="fr-FR" sz="3200" b="0" strike="noStrike" spc="-1" dirty="0" smtClean="0">
-                <a:solidFill>
-                  <a:srgbClr val="8B8B8B"/>
+              <a:rPr lang="fr-FR" sz="4800" b="1" spc="-1" dirty="0" err="1" smtClean="0">
+                <a:solidFill>
+                  <a:srgbClr val="1F497D"/>
+                </a:solidFill>
+                <a:latin typeface="Arial Black"/>
+              </a:rPr>
+              <a:t>Coding</a:t>
+            </a:r>
+            <a:r>
+              <a:rPr lang="fr-FR" sz="4800" b="1" spc="-1" dirty="0" smtClean="0">
+                <a:solidFill>
+                  <a:srgbClr val="1F497D"/>
                 </a:solidFill>
                 <a:latin typeface="Arial Black"/>
               </a:rPr>
               <a:t> </a:t>
             </a:r>
             <a:r>
-              <a:rPr lang="fr-FR" sz="3200" b="0" strike="noStrike" spc="-1" dirty="0" err="1" smtClean="0">
-                <a:solidFill>
-                  <a:srgbClr val="8B8B8B"/>
+              <a:rPr lang="fr-FR" sz="4800" b="1" spc="-1" dirty="0" err="1" smtClean="0">
+                <a:solidFill>
+                  <a:srgbClr val="1F497D"/>
                 </a:solidFill>
                 <a:latin typeface="Arial Black"/>
               </a:rPr>
               <a:t>is</a:t>
             </a:r>
             <a:r>
-              <a:rPr lang="fr-FR" sz="3200" b="0" strike="noStrike" spc="-1" dirty="0" smtClean="0">
-                <a:solidFill>
-                  <a:srgbClr val="8B8B8B"/>
+              <a:rPr lang="fr-FR" sz="4800" b="1" spc="-1" dirty="0" smtClean="0">
+                <a:solidFill>
+                  <a:srgbClr val="1F497D"/>
                 </a:solidFill>
                 <a:latin typeface="Arial Black"/>
               </a:rPr>
               <a:t> </a:t>
             </a:r>
             <a:r>
-              <a:rPr lang="fr-FR" sz="3200" b="0" strike="noStrike" spc="-1" dirty="0" err="1" smtClean="0">
-                <a:solidFill>
-                  <a:srgbClr val="8B8B8B"/>
-                </a:solidFill>
-                <a:latin typeface="Arial Black"/>
-              </a:rPr>
-              <a:t>that</a:t>
-            </a:r>
-            <a:r>
-              <a:rPr lang="fr-FR" sz="3200" b="0" strike="noStrike" spc="-1" dirty="0" smtClean="0">
-                <a:solidFill>
-                  <a:srgbClr val="8B8B8B"/>
-                </a:solidFill>
-                <a:latin typeface="Arial Black"/>
-              </a:rPr>
-              <a:t>?</a:t>
-            </a:r>
-            <a:endParaRPr lang="fr-FR" sz="3200" b="0" strike="noStrike" spc="-1" dirty="0">
+              <a:rPr lang="fr-FR" sz="4800" b="1" spc="-1" dirty="0" err="1" smtClean="0">
+                <a:solidFill>
+                  <a:srgbClr val="1F497D"/>
+                </a:solidFill>
+                <a:latin typeface="Arial Black"/>
+              </a:rPr>
+              <a:t>great</a:t>
+            </a:r>
+            <a:endParaRPr lang="fr-FR" sz="4800" spc="-1" dirty="0"/>
+          </a:p>
+          <a:p>
+            <a:pPr algn="ctr">
+              <a:lnSpc>
+                <a:spcPct val="100000"/>
+              </a:lnSpc>
+            </a:pPr>
+            <a:r>
+              <a:rPr lang="fr-FR" sz="3200" b="1" spc="-1" dirty="0" smtClean="0">
+                <a:solidFill>
+                  <a:schemeClr val="bg1">
+                    <a:lumMod val="50000"/>
+                  </a:schemeClr>
+                </a:solidFill>
+                <a:latin typeface="Arial Black"/>
+              </a:rPr>
+              <a:t>but</a:t>
+            </a:r>
+            <a:endParaRPr lang="fr-FR" sz="3200" spc="-1" dirty="0">
               <a:solidFill>
-                <a:srgbClr val="004586"/>
+                <a:schemeClr val="bg1">
+                  <a:lumMod val="50000"/>
+                </a:schemeClr>
+              </a:solidFill>
+            </a:endParaRPr>
+          </a:p>
+          <a:p>
+            <a:pPr algn="ctr">
+              <a:lnSpc>
+                <a:spcPct val="100000"/>
+              </a:lnSpc>
+            </a:pPr>
+            <a:r>
+              <a:rPr lang="fr-FR" sz="4800" b="1" spc="-1" dirty="0" err="1" smtClean="0">
+                <a:solidFill>
+                  <a:srgbClr val="1F497D"/>
+                </a:solidFill>
+                <a:latin typeface="Arial Black"/>
+              </a:rPr>
+              <a:t>coding</a:t>
+            </a:r>
+            <a:r>
+              <a:rPr lang="fr-FR" sz="4800" b="1" spc="-1" dirty="0" smtClean="0">
+                <a:solidFill>
+                  <a:srgbClr val="1F497D"/>
+                </a:solidFill>
+                <a:latin typeface="Arial Black"/>
+              </a:rPr>
+              <a:t> as a pair </a:t>
+            </a:r>
+            <a:r>
+              <a:rPr lang="fr-FR" sz="4800" b="1" spc="-1" dirty="0" err="1" smtClean="0">
+                <a:solidFill>
+                  <a:srgbClr val="1F497D"/>
+                </a:solidFill>
+                <a:latin typeface="Arial Black"/>
+              </a:rPr>
+              <a:t>is</a:t>
+            </a:r>
+            <a:r>
+              <a:rPr lang="fr-FR" sz="4800" b="1" spc="-1" dirty="0" smtClean="0">
+                <a:solidFill>
+                  <a:srgbClr val="1F497D"/>
+                </a:solidFill>
+                <a:latin typeface="Arial Black"/>
+              </a:rPr>
+              <a:t> </a:t>
+            </a:r>
+            <a:r>
+              <a:rPr lang="fr-FR" sz="4800" b="1" spc="-1" dirty="0" err="1" smtClean="0">
+                <a:solidFill>
+                  <a:srgbClr val="1F497D"/>
+                </a:solidFill>
+                <a:latin typeface="Arial Black"/>
+              </a:rPr>
+              <a:t>better</a:t>
+            </a:r>
+            <a:endParaRPr lang="fr-FR" sz="4800" b="0" strike="noStrike" spc="-1" dirty="0">
+              <a:solidFill>
+                <a:srgbClr val="000000"/>
               </a:solidFill>
               <a:latin typeface="Calibri"/>
             </a:endParaRPr>
           </a:p>
         </p:txBody>
       </p:sp>
+      <p:pic>
+        <p:nvPicPr>
+          <p:cNvPr id="6" name="Picture 5"/>
+          <p:cNvPicPr>
+            <a:picLocks noChangeAspect="1"/>
+          </p:cNvPicPr>
+          <p:nvPr/>
+        </p:nvPicPr>
+        <p:blipFill>
+          <a:blip r:embed="rId2" cstate="print">
+            <a:duotone>
+              <a:schemeClr val="bg2">
+                <a:shade val="45000"/>
+                <a:satMod val="135000"/>
+              </a:schemeClr>
+              <a:prstClr val="white"/>
+            </a:duotone>
+            <a:extLst>
+              <a:ext uri="{BEBA8EAE-BF5A-486C-A8C5-ECC9F3942E4B}">
+                <a14:imgProps xmlns:a14="http://schemas.microsoft.com/office/drawing/2010/main">
+                  <a14:imgLayer r:embed="rId3">
+                    <a14:imgEffect>
+                      <a14:saturation sat="0"/>
+                    </a14:imgEffect>
+                  </a14:imgLayer>
+                </a14:imgProps>
+              </a:ext>
+              <a:ext uri="{28A0092B-C50C-407E-A947-70E740481C1C}">
+                <a14:useLocalDpi xmlns:a14="http://schemas.microsoft.com/office/drawing/2010/main" val="0"/>
+              </a:ext>
+            </a:extLst>
+          </a:blip>
+          <a:stretch>
+            <a:fillRect/>
+          </a:stretch>
+        </p:blipFill>
+        <p:spPr>
+          <a:xfrm>
+            <a:off x="971600" y="3028865"/>
+            <a:ext cx="2781559" cy="2108761"/>
+          </a:xfrm>
+          <a:prstGeom prst="rect">
+            <a:avLst/>
+          </a:prstGeom>
+        </p:spPr>
+      </p:pic>
+      <p:pic>
+        <p:nvPicPr>
+          <p:cNvPr id="10" name="Picture 9"/>
+          <p:cNvPicPr>
+            <a:picLocks noChangeAspect="1"/>
+          </p:cNvPicPr>
+          <p:nvPr/>
+        </p:nvPicPr>
+        <p:blipFill>
+          <a:blip r:embed="rId4">
+            <a:extLst>
+              <a:ext uri="{28A0092B-C50C-407E-A947-70E740481C1C}">
+                <a14:useLocalDpi xmlns:a14="http://schemas.microsoft.com/office/drawing/2010/main" val="0"/>
+              </a:ext>
+            </a:extLst>
+          </a:blip>
+          <a:stretch>
+            <a:fillRect/>
+          </a:stretch>
+        </p:blipFill>
+        <p:spPr>
+          <a:xfrm rot="10800000">
+            <a:off x="827584" y="5085184"/>
+            <a:ext cx="2367572" cy="1174824"/>
+          </a:xfrm>
+          <a:prstGeom prst="rect">
+            <a:avLst/>
+          </a:prstGeom>
+          <a:scene3d>
+            <a:camera prst="perspectiveBelow" fov="4200000">
+              <a:rot lat="2100000" lon="0" rev="0"/>
+            </a:camera>
+            <a:lightRig rig="threePt" dir="t"/>
+          </a:scene3d>
+        </p:spPr>
+      </p:pic>
     </p:spTree>
   </p:cSld>
   <p:clrMapOvr>
@@ -5403,6 +6111,220 @@
 </file>
 
 <file path=ppt/slides/slide3.xml><?xml version="1.0" encoding="utf-8"?>
+<p:sld xmlns:a="http://schemas.openxmlformats.org/drawingml/2006/main" xmlns:r="http://schemas.openxmlformats.org/officeDocument/2006/relationships" xmlns:p="http://schemas.openxmlformats.org/presentationml/2006/main">
+  <p:cSld>
+    <p:spTree>
+      <p:nvGrpSpPr>
+        <p:cNvPr id="1" name=""/>
+        <p:cNvGrpSpPr/>
+        <p:nvPr/>
+      </p:nvGrpSpPr>
+      <p:grpSpPr>
+        <a:xfrm>
+          <a:off x="0" y="0"/>
+          <a:ext cx="0" cy="0"/>
+          <a:chOff x="0" y="0"/>
+          <a:chExt cx="0" cy="0"/>
+        </a:xfrm>
+      </p:grpSpPr>
+      <p:sp>
+        <p:nvSpPr>
+          <p:cNvPr id="92" name="TextShape 1"/>
+          <p:cNvSpPr txBox="1"/>
+          <p:nvPr/>
+        </p:nvSpPr>
+        <p:spPr>
+          <a:xfrm>
+            <a:off x="457200" y="476640"/>
+            <a:ext cx="8229240" cy="5904360"/>
+          </a:xfrm>
+          <a:prstGeom prst="rect">
+            <a:avLst/>
+          </a:prstGeom>
+          <a:noFill/>
+          <a:ln>
+            <a:noFill/>
+          </a:ln>
+        </p:spPr>
+        <p:txBody>
+          <a:bodyPr anchor="ctr"/>
+          <a:lstStyle/>
+          <a:p>
+            <a:pPr algn="ctr">
+              <a:lnSpc>
+                <a:spcPct val="100000"/>
+              </a:lnSpc>
+              <a:spcBef>
+                <a:spcPts val="641"/>
+              </a:spcBef>
+            </a:pPr>
+            <a:r>
+              <a:rPr lang="fr-FR" sz="3200" b="0" strike="noStrike" spc="-1" dirty="0" smtClean="0">
+                <a:solidFill>
+                  <a:srgbClr val="8B8B8B"/>
+                </a:solidFill>
+                <a:latin typeface="Arial Black"/>
+              </a:rPr>
+              <a:t>So, Pair </a:t>
+            </a:r>
+            <a:r>
+              <a:rPr lang="fr-FR" sz="3200" b="0" strike="noStrike" spc="-1" dirty="0" err="1">
+                <a:solidFill>
+                  <a:srgbClr val="8B8B8B"/>
+                </a:solidFill>
+                <a:latin typeface="Arial Black"/>
+              </a:rPr>
+              <a:t>Programming</a:t>
+            </a:r>
+            <a:r>
+              <a:rPr lang="fr-FR" sz="3200" b="0" strike="noStrike" spc="-1" dirty="0">
+                <a:solidFill>
+                  <a:srgbClr val="8B8B8B"/>
+                </a:solidFill>
+                <a:latin typeface="Arial Black"/>
+              </a:rPr>
+              <a:t> … </a:t>
+            </a:r>
+            <a:endParaRPr lang="fr-FR" sz="3200" b="0" strike="noStrike" spc="-1" dirty="0">
+              <a:solidFill>
+                <a:srgbClr val="004586"/>
+              </a:solidFill>
+              <a:latin typeface="Calibri"/>
+            </a:endParaRPr>
+          </a:p>
+          <a:p>
+            <a:pPr algn="ctr">
+              <a:lnSpc>
+                <a:spcPct val="100000"/>
+              </a:lnSpc>
+              <a:spcBef>
+                <a:spcPts val="641"/>
+              </a:spcBef>
+            </a:pPr>
+            <a:endParaRPr lang="fr-FR" sz="3200" b="0" strike="noStrike" spc="-1" dirty="0">
+              <a:solidFill>
+                <a:srgbClr val="004586"/>
+              </a:solidFill>
+              <a:latin typeface="Calibri"/>
+            </a:endParaRPr>
+          </a:p>
+          <a:p>
+            <a:pPr algn="ctr">
+              <a:lnSpc>
+                <a:spcPct val="100000"/>
+              </a:lnSpc>
+              <a:spcBef>
+                <a:spcPts val="641"/>
+              </a:spcBef>
+            </a:pPr>
+            <a:r>
+              <a:rPr lang="fr-FR" sz="3200" b="0" strike="noStrike" spc="-1" dirty="0">
+                <a:solidFill>
+                  <a:srgbClr val="8B8B8B"/>
+                </a:solidFill>
+                <a:latin typeface="Arial Black"/>
+              </a:rPr>
+              <a:t>… </a:t>
+            </a:r>
+            <a:r>
+              <a:rPr lang="fr-FR" sz="3200" b="0" strike="noStrike" spc="-1" dirty="0" err="1" smtClean="0">
+                <a:solidFill>
+                  <a:srgbClr val="8B8B8B"/>
+                </a:solidFill>
+                <a:latin typeface="Arial Black"/>
+              </a:rPr>
+              <a:t>what</a:t>
+            </a:r>
+            <a:r>
+              <a:rPr lang="fr-FR" sz="3200" b="0" strike="noStrike" spc="-1" dirty="0" smtClean="0">
+                <a:solidFill>
+                  <a:srgbClr val="8B8B8B"/>
+                </a:solidFill>
+                <a:latin typeface="Arial Black"/>
+              </a:rPr>
+              <a:t> </a:t>
+            </a:r>
+            <a:r>
+              <a:rPr lang="fr-FR" sz="3200" b="0" strike="noStrike" spc="-1" dirty="0" err="1" smtClean="0">
+                <a:solidFill>
+                  <a:srgbClr val="8B8B8B"/>
+                </a:solidFill>
+                <a:latin typeface="Arial Black"/>
+              </a:rPr>
+              <a:t>is</a:t>
+            </a:r>
+            <a:r>
+              <a:rPr lang="fr-FR" sz="3200" b="0" strike="noStrike" spc="-1" dirty="0" smtClean="0">
+                <a:solidFill>
+                  <a:srgbClr val="8B8B8B"/>
+                </a:solidFill>
+                <a:latin typeface="Arial Black"/>
+              </a:rPr>
+              <a:t> </a:t>
+            </a:r>
+            <a:r>
+              <a:rPr lang="fr-FR" sz="3200" b="0" strike="noStrike" spc="-1" dirty="0" err="1" smtClean="0">
+                <a:solidFill>
+                  <a:srgbClr val="8B8B8B"/>
+                </a:solidFill>
+                <a:latin typeface="Arial Black"/>
+              </a:rPr>
+              <a:t>that</a:t>
+            </a:r>
+            <a:r>
+              <a:rPr lang="fr-FR" sz="3200" b="0" strike="noStrike" spc="-1" dirty="0" smtClean="0">
+                <a:solidFill>
+                  <a:srgbClr val="8B8B8B"/>
+                </a:solidFill>
+                <a:latin typeface="Arial Black"/>
+              </a:rPr>
+              <a:t>?</a:t>
+            </a:r>
+            <a:endParaRPr lang="fr-FR" sz="3200" b="0" strike="noStrike" spc="-1" dirty="0">
+              <a:solidFill>
+                <a:srgbClr val="004586"/>
+              </a:solidFill>
+              <a:latin typeface="Calibri"/>
+            </a:endParaRPr>
+          </a:p>
+        </p:txBody>
+      </p:sp>
+    </p:spTree>
+  </p:cSld>
+  <p:clrMapOvr>
+    <a:masterClrMapping/>
+  </p:clrMapOvr>
+  <p:timing>
+    <p:tnLst>
+      <p:par>
+        <p:cTn id="1" dur="indefinite" restart="never" nodeType="tmRoot">
+          <p:childTnLst>
+            <p:seq>
+              <p:cTn id="2" nodeType="mainSeq"/>
+              <p:prevCondLst>
+                <p:cond evt="onPrev" delay="0">
+                  <p:tgtEl>
+                    <p:sldTgt/>
+                  </p:tgtEl>
+                </p:cond>
+              </p:prevCondLst>
+              <p:nextCondLst>
+                <p:cond evt="onNext" delay="0">
+                  <p:tgtEl>
+                    <p:sldTgt/>
+                  </p:tgtEl>
+                </p:cond>
+              </p:nextCondLst>
+            </p:seq>
+          </p:childTnLst>
+        </p:cTn>
+      </p:par>
+    </p:tnLst>
+  </p:timing>
+</p:sld>
+</file>
+
+<file path=ppt/slides/slide4.xml><?xml version="1.0" encoding="utf-8"?>
 <p:sld xmlns:a="http://schemas.openxmlformats.org/drawingml/2006/main" xmlns:r="http://schemas.openxmlformats.org/officeDocument/2006/relationships" xmlns:p="http://schemas.openxmlformats.org/presentationml/2006/main">
   <p:cSld>
     <p:spTree>
@@ -5605,7 +6527,7 @@
 </p:sld>
 </file>
 
-<file path=ppt/slides/slide4.xml><?xml version="1.0" encoding="utf-8"?>
+<file path=ppt/slides/slide5.xml><?xml version="1.0" encoding="utf-8"?>
 <p:sld xmlns:a="http://schemas.openxmlformats.org/drawingml/2006/main" xmlns:r="http://schemas.openxmlformats.org/officeDocument/2006/relationships" xmlns:p="http://schemas.openxmlformats.org/presentationml/2006/main">
   <p:cSld>
     <p:spTree>
@@ -5804,16 +6726,7 @@
                 </a:solidFill>
                 <a:latin typeface="Arial Black"/>
               </a:rPr>
-              <a:t>One “pilot” and </a:t>
-            </a:r>
-            <a:r>
-              <a:rPr lang="en-US" sz="1600" spc="-1" dirty="0" smtClean="0">
-                <a:solidFill>
-                  <a:srgbClr val="0070C0"/>
-                </a:solidFill>
-                <a:latin typeface="Arial Black"/>
-              </a:rPr>
-              <a:t>one “navigator”, who regularly exchange roles</a:t>
+              <a:t>One “pilot” and one “navigator”, who regularly exchange roles</a:t>
             </a:r>
             <a:endParaRPr lang="en-US" sz="1600" spc="-1" dirty="0">
               <a:solidFill>
@@ -6014,7 +6927,7 @@
 </p:sld>
 </file>
 
-<file path=ppt/slides/slide5.xml><?xml version="1.0" encoding="utf-8"?>
+<file path=ppt/slides/slide6.xml><?xml version="1.0" encoding="utf-8"?>
 <p:sld xmlns:a="http://schemas.openxmlformats.org/drawingml/2006/main" xmlns:r="http://schemas.openxmlformats.org/officeDocument/2006/relationships" xmlns:p="http://schemas.openxmlformats.org/presentationml/2006/main">
   <p:cSld>
     <p:spTree>
@@ -6115,6 +7028,15 @@
         <p:blipFill>
           <a:blip r:embed="rId2" cstate="print">
             <a:extLst>
+              <a:ext uri="{BEBA8EAE-BF5A-486C-A8C5-ECC9F3942E4B}">
+                <a14:imgProps xmlns:a14="http://schemas.microsoft.com/office/drawing/2010/main">
+                  <a14:imgLayer r:embed="rId3">
+                    <a14:imgEffect>
+                      <a14:brightnessContrast bright="20000" contrast="20000"/>
+                    </a14:imgEffect>
+                  </a14:imgLayer>
+                </a14:imgProps>
+              </a:ext>
               <a:ext uri="{28A0092B-C50C-407E-A947-70E740481C1C}">
                 <a14:useLocalDpi xmlns:a14="http://schemas.microsoft.com/office/drawing/2010/main" val="0"/>
               </a:ext>
@@ -6174,7 +7096,7 @@
 </p:sld>
 </file>
 
-<file path=ppt/slides/slide6.xml><?xml version="1.0" encoding="utf-8"?>
+<file path=ppt/slides/slide7.xml><?xml version="1.0" encoding="utf-8"?>
 <p:sld xmlns:a="http://schemas.openxmlformats.org/drawingml/2006/main" xmlns:r="http://schemas.openxmlformats.org/officeDocument/2006/relationships" xmlns:p="http://schemas.openxmlformats.org/presentationml/2006/main">
   <p:cSld>
     <p:spTree>
@@ -6339,12 +7261,6 @@
               </a:rPr>
               <a:t>It is important to keep a protected personal space</a:t>
             </a:r>
-            <a:endParaRPr lang="en-US" sz="1600" spc="-1" dirty="0">
-              <a:solidFill>
-                <a:srgbClr val="0070C0"/>
-              </a:solidFill>
-              <a:latin typeface="Arial Black"/>
-            </a:endParaRPr>
           </a:p>
           <a:p>
             <a:pPr>
@@ -6387,12 +7303,6 @@
               </a:rPr>
               <a:t>Do not systematize this practice to each and all daily tasks</a:t>
             </a:r>
-            <a:endParaRPr lang="en-US" sz="1600" spc="-1" dirty="0">
-              <a:solidFill>
-                <a:srgbClr val="0070C0"/>
-              </a:solidFill>
-              <a:latin typeface="Arial Black"/>
-            </a:endParaRPr>
           </a:p>
           <a:p>
             <a:pPr>
@@ -6461,6 +7371,15 @@
         <p:blipFill>
           <a:blip r:embed="rId2" cstate="print">
             <a:extLst>
+              <a:ext uri="{BEBA8EAE-BF5A-486C-A8C5-ECC9F3942E4B}">
+                <a14:imgProps xmlns:a14="http://schemas.microsoft.com/office/drawing/2010/main">
+                  <a14:imgLayer r:embed="rId3">
+                    <a14:imgEffect>
+                      <a14:brightnessContrast bright="20000" contrast="20000"/>
+                    </a14:imgEffect>
+                  </a14:imgLayer>
+                </a14:imgProps>
+              </a:ext>
               <a:ext uri="{28A0092B-C50C-407E-A947-70E740481C1C}">
                 <a14:useLocalDpi xmlns:a14="http://schemas.microsoft.com/office/drawing/2010/main" val="0"/>
               </a:ext>
@@ -6520,211 +7439,6 @@
 </p:sld>
 </file>
 
-<file path=ppt/slides/slide7.xml><?xml version="1.0" encoding="utf-8"?>
-<p:sld xmlns:a="http://schemas.openxmlformats.org/drawingml/2006/main" xmlns:r="http://schemas.openxmlformats.org/officeDocument/2006/relationships" xmlns:p="http://schemas.openxmlformats.org/presentationml/2006/main">
-  <p:cSld>
-    <p:spTree>
-      <p:nvGrpSpPr>
-        <p:cNvPr id="1" name=""/>
-        <p:cNvGrpSpPr/>
-        <p:nvPr/>
-      </p:nvGrpSpPr>
-      <p:grpSpPr>
-        <a:xfrm>
-          <a:off x="0" y="0"/>
-          <a:ext cx="0" cy="0"/>
-          <a:chOff x="0" y="0"/>
-          <a:chExt cx="0" cy="0"/>
-        </a:xfrm>
-      </p:grpSpPr>
-      <p:sp>
-        <p:nvSpPr>
-          <p:cNvPr id="149" name="TextShape 1"/>
-          <p:cNvSpPr txBox="1"/>
-          <p:nvPr/>
-        </p:nvSpPr>
-        <p:spPr>
-          <a:xfrm>
-            <a:off x="457200" y="476640"/>
-            <a:ext cx="8229240" cy="5904360"/>
-          </a:xfrm>
-          <a:prstGeom prst="rect">
-            <a:avLst/>
-          </a:prstGeom>
-          <a:noFill/>
-          <a:ln>
-            <a:noFill/>
-          </a:ln>
-        </p:spPr>
-        <p:txBody>
-          <a:bodyPr anchor="ctr"/>
-          <a:lstStyle/>
-          <a:p>
-            <a:pPr algn="ctr">
-              <a:lnSpc>
-                <a:spcPct val="100000"/>
-              </a:lnSpc>
-              <a:spcBef>
-                <a:spcPts val="641"/>
-              </a:spcBef>
-            </a:pPr>
-            <a:r>
-              <a:rPr lang="fr-FR" sz="3200" b="0" strike="noStrike" spc="-1" dirty="0" err="1" smtClean="0">
-                <a:solidFill>
-                  <a:srgbClr val="8B8B8B"/>
-                </a:solidFill>
-                <a:latin typeface="Arial Black"/>
-              </a:rPr>
-              <a:t>Okay</a:t>
-            </a:r>
-            <a:r>
-              <a:rPr lang="fr-FR" sz="3200" spc="-1" dirty="0" smtClean="0">
-                <a:solidFill>
-                  <a:srgbClr val="8B8B8B"/>
-                </a:solidFill>
-                <a:latin typeface="Arial Black"/>
-              </a:rPr>
-              <a:t>, but</a:t>
-            </a:r>
-            <a:r>
-              <a:rPr lang="fr-FR" sz="3200" b="0" strike="noStrike" spc="-1" dirty="0" smtClean="0">
-                <a:solidFill>
-                  <a:srgbClr val="8B8B8B"/>
-                </a:solidFill>
-                <a:latin typeface="Arial Black"/>
-              </a:rPr>
-              <a:t> </a:t>
-            </a:r>
-            <a:r>
-              <a:rPr lang="fr-FR" sz="3200" b="0" strike="noStrike" spc="-1" dirty="0">
-                <a:solidFill>
-                  <a:srgbClr val="8B8B8B"/>
-                </a:solidFill>
-                <a:latin typeface="Arial Black"/>
-              </a:rPr>
-              <a:t>… </a:t>
-            </a:r>
-            <a:endParaRPr lang="fr-FR" sz="3200" b="0" strike="noStrike" spc="-1" dirty="0">
-              <a:solidFill>
-                <a:srgbClr val="004586"/>
-              </a:solidFill>
-              <a:latin typeface="Calibri"/>
-            </a:endParaRPr>
-          </a:p>
-          <a:p>
-            <a:pPr algn="ctr">
-              <a:lnSpc>
-                <a:spcPct val="100000"/>
-              </a:lnSpc>
-              <a:spcBef>
-                <a:spcPts val="641"/>
-              </a:spcBef>
-            </a:pPr>
-            <a:endParaRPr lang="fr-FR" sz="3200" b="0" strike="noStrike" spc="-1" dirty="0">
-              <a:solidFill>
-                <a:srgbClr val="004586"/>
-              </a:solidFill>
-              <a:latin typeface="Calibri"/>
-            </a:endParaRPr>
-          </a:p>
-          <a:p>
-            <a:pPr algn="ctr">
-              <a:lnSpc>
-                <a:spcPct val="100000"/>
-              </a:lnSpc>
-              <a:spcBef>
-                <a:spcPts val="641"/>
-              </a:spcBef>
-            </a:pPr>
-            <a:r>
-              <a:rPr lang="fr-FR" sz="3200" spc="-1" dirty="0">
-                <a:solidFill>
-                  <a:srgbClr val="8B8B8B"/>
-                </a:solidFill>
-                <a:latin typeface="Arial Black"/>
-              </a:rPr>
-              <a:t>… for </a:t>
-            </a:r>
-            <a:r>
-              <a:rPr lang="fr-FR" sz="3200" spc="-1" dirty="0" err="1">
-                <a:solidFill>
-                  <a:srgbClr val="8B8B8B"/>
-                </a:solidFill>
-                <a:latin typeface="Arial Black"/>
-              </a:rPr>
-              <a:t>what</a:t>
-            </a:r>
-            <a:r>
-              <a:rPr lang="fr-FR" sz="3200" spc="-1" dirty="0">
-                <a:solidFill>
-                  <a:srgbClr val="8B8B8B"/>
-                </a:solidFill>
-                <a:latin typeface="Arial Black"/>
-              </a:rPr>
-              <a:t> </a:t>
-            </a:r>
-            <a:r>
-              <a:rPr lang="fr-FR" sz="3200" spc="-1" dirty="0" err="1">
-                <a:solidFill>
-                  <a:srgbClr val="8B8B8B"/>
-                </a:solidFill>
-                <a:latin typeface="Arial Black"/>
-              </a:rPr>
-              <a:t>purpose</a:t>
-            </a:r>
-            <a:r>
-              <a:rPr lang="fr-FR" sz="3200" spc="-1" dirty="0">
-                <a:solidFill>
-                  <a:srgbClr val="8B8B8B"/>
-                </a:solidFill>
-                <a:latin typeface="Arial Black"/>
-              </a:rPr>
-              <a:t>?</a:t>
-            </a:r>
-            <a:endParaRPr lang="fr-FR" sz="3200" b="0" strike="noStrike" spc="-1" dirty="0">
-              <a:solidFill>
-                <a:srgbClr val="004586"/>
-              </a:solidFill>
-              <a:latin typeface="Calibri"/>
-            </a:endParaRPr>
-          </a:p>
-        </p:txBody>
-      </p:sp>
-    </p:spTree>
-  </p:cSld>
-  <p:clrMapOvr>
-    <a:masterClrMapping/>
-  </p:clrMapOvr>
-  <p:timing>
-    <p:tnLst>
-      <p:par>
-        <p:cTn id="1" dur="indefinite" restart="never" nodeType="tmRoot">
-          <p:childTnLst>
-            <p:seq>
-              <p:cTn id="2" nodeType="mainSeq"/>
-              <p:prevCondLst>
-                <p:cond evt="onPrev" delay="0">
-                  <p:tgtEl>
-                    <p:sldTgt/>
-                  </p:tgtEl>
-                </p:cond>
-              </p:prevCondLst>
-              <p:nextCondLst>
-                <p:cond evt="onNext" delay="0">
-                  <p:tgtEl>
-                    <p:sldTgt/>
-                  </p:tgtEl>
-                </p:cond>
-              </p:nextCondLst>
-            </p:seq>
-          </p:childTnLst>
-        </p:cTn>
-      </p:par>
-    </p:tnLst>
-  </p:timing>
-</p:sld>
-</file>
-
 <file path=ppt/slides/slide8.xml><?xml version="1.0" encoding="utf-8"?>
 <p:sld xmlns:a="http://schemas.openxmlformats.org/drawingml/2006/main" xmlns:r="http://schemas.openxmlformats.org/officeDocument/2006/relationships" xmlns:p="http://schemas.openxmlformats.org/presentationml/2006/main">
   <p:cSld>
@@ -6744,14 +7458,14 @@
       </p:grpSpPr>
       <p:sp>
         <p:nvSpPr>
-          <p:cNvPr id="238" name="TextShape 1"/>
+          <p:cNvPr id="149" name="TextShape 1"/>
           <p:cNvSpPr txBox="1"/>
           <p:nvPr/>
         </p:nvSpPr>
         <p:spPr>
           <a:xfrm>
-            <a:off x="3088440" y="404664"/>
-            <a:ext cx="5587920" cy="2869560"/>
+            <a:off x="457200" y="476640"/>
+            <a:ext cx="8229240" cy="5904360"/>
           </a:xfrm>
           <a:prstGeom prst="rect">
             <a:avLst/>
@@ -6774,19 +7488,46 @@
               </a:spcBef>
             </a:pPr>
             <a:r>
-              <a:rPr lang="fr-FR" sz="3200" b="0" i="1" strike="noStrike" spc="-1" dirty="0" smtClean="0">
+              <a:rPr lang="fr-FR" sz="3200" b="0" strike="noStrike" spc="-1" dirty="0" err="1" smtClean="0">
                 <a:solidFill>
                   <a:srgbClr val="8B8B8B"/>
                 </a:solidFill>
                 <a:latin typeface="Arial Black"/>
               </a:rPr>
-              <a:t>The best of</a:t>
-            </a:r>
-            <a:endParaRPr lang="fr-FR" sz="3200" b="0" i="1" strike="noStrike" spc="-1" dirty="0">
+              <a:t>Okay</a:t>
+            </a:r>
+            <a:r>
+              <a:rPr lang="fr-FR" sz="3200" spc="-1" dirty="0" smtClean="0">
+                <a:solidFill>
+                  <a:srgbClr val="8B8B8B"/>
+                </a:solidFill>
+                <a:latin typeface="Arial Black"/>
+              </a:rPr>
+              <a:t>, but</a:t>
+            </a:r>
+            <a:r>
+              <a:rPr lang="fr-FR" sz="3200" b="0" strike="noStrike" spc="-1" dirty="0" smtClean="0">
+                <a:solidFill>
+                  <a:srgbClr val="8B8B8B"/>
+                </a:solidFill>
+                <a:latin typeface="Arial Black"/>
+              </a:rPr>
+              <a:t> </a:t>
+            </a:r>
+            <a:r>
+              <a:rPr lang="fr-FR" sz="3200" b="0" strike="noStrike" spc="-1" dirty="0">
+                <a:solidFill>
+                  <a:srgbClr val="8B8B8B"/>
+                </a:solidFill>
+                <a:latin typeface="Arial Black"/>
+              </a:rPr>
+              <a:t>… </a:t>
+            </a:r>
+            <a:endParaRPr lang="fr-FR" sz="3200" b="0" strike="noStrike" spc="-1" dirty="0">
               <a:solidFill>
-                <a:srgbClr val="8B8B8B"/>
+                <a:srgbClr val="004586"/>
               </a:solidFill>
-              <a:latin typeface="Arial Black"/>
+              <a:latin typeface="Calibri"/>
             </a:endParaRPr>
           </a:p>
           <a:p>
@@ -6798,33 +7539,6 @@
                 <a:spcPts val="641"/>
               </a:spcBef>
             </a:pPr>
-            <a:r>
-              <a:rPr lang="fr-FR" sz="3200" b="0" i="1" strike="noStrike" spc="-1" dirty="0" err="1" smtClean="0">
-                <a:solidFill>
-                  <a:srgbClr val="8B8B8B"/>
-                </a:solidFill>
-                <a:latin typeface="Arial Black"/>
-              </a:rPr>
-              <a:t>both</a:t>
-            </a:r>
-            <a:r>
-              <a:rPr lang="fr-FR" sz="3200" b="0" i="1" strike="noStrike" spc="-1" dirty="0" smtClean="0">
-                <a:solidFill>
-                  <a:srgbClr val="8B8B8B"/>
-                </a:solidFill>
-                <a:latin typeface="Arial Black"/>
-              </a:rPr>
-              <a:t> </a:t>
-            </a:r>
-            <a:r>
-              <a:rPr lang="fr-FR" sz="3200" b="0" i="1" strike="noStrike" spc="-1" dirty="0" err="1" smtClean="0">
-                <a:solidFill>
-                  <a:srgbClr val="8B8B8B"/>
-                </a:solidFill>
-                <a:latin typeface="Arial Black"/>
-              </a:rPr>
-              <a:t>brains</a:t>
-            </a:r>
             <a:endParaRPr lang="fr-FR" sz="3200" b="0" strike="noStrike" spc="-1" dirty="0">
               <a:solidFill>
                 <a:srgbClr val="004586"/>
@@ -6832,50 +7546,70 @@
               <a:latin typeface="Calibri"/>
             </a:endParaRPr>
           </a:p>
-        </p:txBody>
-      </p:sp>
-      <p:pic>
-        <p:nvPicPr>
-          <p:cNvPr id="6" name="Image 5">
-            <a:extLst>
-              <a:ext uri="{FF2B5EF4-FFF2-40B4-BE49-F238E27FC236}">
-                <a16:creationId xmlns:a16="http://schemas.microsoft.com/office/drawing/2014/main" id="{423BB192-DCF3-44B0-B2A5-6D718EBE45D5}"/>
-              </a:ext>
-            </a:extLst>
-          </p:cNvPr>
-          <p:cNvPicPr>
-            <a:picLocks noChangeAspect="1"/>
-          </p:cNvPicPr>
-          <p:nvPr/>
-        </p:nvPicPr>
-        <p:blipFill>
-          <a:blip r:embed="rId2">
-            <a:extLst>
-              <a:ext uri="{28A0092B-C50C-407E-A947-70E740481C1C}">
-                <a14:useLocalDpi xmlns:a14="http://schemas.microsoft.com/office/drawing/2010/main" val="0"/>
-              </a:ext>
-            </a:extLst>
-          </a:blip>
-          <a:stretch>
-            <a:fillRect/>
-          </a:stretch>
-        </p:blipFill>
-        <p:spPr>
-          <a:xfrm>
-            <a:off x="611560" y="586010"/>
-            <a:ext cx="2376264" cy="2376264"/>
-          </a:xfrm>
-          <a:prstGeom prst="rect">
-            <a:avLst/>
-          </a:prstGeom>
-        </p:spPr>
-      </p:pic>
+          <a:p>
+            <a:pPr algn="ctr">
+              <a:lnSpc>
+                <a:spcPct val="100000"/>
+              </a:lnSpc>
+              <a:spcBef>
+                <a:spcPts val="641"/>
+              </a:spcBef>
+            </a:pPr>
+            <a:r>
+              <a:rPr lang="fr-FR" sz="3200" spc="-1" dirty="0">
+                <a:solidFill>
+                  <a:srgbClr val="8B8B8B"/>
+                </a:solidFill>
+                <a:latin typeface="Arial Black"/>
+              </a:rPr>
+              <a:t>… for </a:t>
+            </a:r>
+            <a:r>
+              <a:rPr lang="fr-FR" sz="3200" spc="-1" dirty="0" err="1">
+                <a:solidFill>
+                  <a:srgbClr val="8B8B8B"/>
+                </a:solidFill>
+                <a:latin typeface="Arial Black"/>
+              </a:rPr>
+              <a:t>what</a:t>
+            </a:r>
+            <a:r>
+              <a:rPr lang="fr-FR" sz="3200" spc="-1" dirty="0">
+                <a:solidFill>
+                  <a:srgbClr val="8B8B8B"/>
+                </a:solidFill>
+                <a:latin typeface="Arial Black"/>
+              </a:rPr>
+              <a:t> </a:t>
+            </a:r>
+            <a:r>
+              <a:rPr lang="fr-FR" sz="3200" spc="-1" dirty="0" err="1">
+                <a:solidFill>
+                  <a:srgbClr val="8B8B8B"/>
+                </a:solidFill>
+                <a:latin typeface="Arial Black"/>
+              </a:rPr>
+              <a:t>purpose</a:t>
+            </a:r>
+            <a:r>
+              <a:rPr lang="fr-FR" sz="3200" spc="-1" dirty="0">
+                <a:solidFill>
+                  <a:srgbClr val="8B8B8B"/>
+                </a:solidFill>
+                <a:latin typeface="Arial Black"/>
+              </a:rPr>
+              <a:t>?</a:t>
+            </a:r>
+            <a:endParaRPr lang="fr-FR" sz="3200" b="0" strike="noStrike" spc="-1" dirty="0">
+              <a:solidFill>
+                <a:srgbClr val="004586"/>
+              </a:solidFill>
+              <a:latin typeface="Calibri"/>
+            </a:endParaRPr>
+          </a:p>
+        </p:txBody>
+      </p:sp>
     </p:spTree>
-    <p:extLst>
-      <p:ext uri="{BB962C8B-B14F-4D97-AF65-F5344CB8AC3E}">
-        <p14:creationId xmlns:p14="http://schemas.microsoft.com/office/powerpoint/2010/main" val="853979394"/>
-      </p:ext>
-    </p:extLst>
   </p:cSld>
   <p:clrMapOvr>
     <a:masterClrMapping/>
@@ -6959,7 +7693,7 @@
               </a:spcBef>
             </a:pPr>
             <a:r>
-              <a:rPr lang="fr-FR" sz="3200" i="1" spc="-1" dirty="0">
+              <a:rPr lang="fr-FR" sz="3200" b="0" i="1" strike="noStrike" spc="-1" dirty="0" smtClean="0">
                 <a:solidFill>
                   <a:srgbClr val="8B8B8B"/>
                 </a:solidFill>
@@ -6967,6 +7701,12 @@
               </a:rPr>
               <a:t>The best of</a:t>
             </a:r>
+            <a:endParaRPr lang="fr-FR" sz="3200" b="0" i="1" strike="noStrike" spc="-1" dirty="0">
+              <a:solidFill>
+                <a:srgbClr val="8B8B8B"/>
+              </a:solidFill>
+              <a:latin typeface="Arial Black"/>
+            </a:endParaRPr>
           </a:p>
           <a:p>
             <a:pPr algn="ctr">
@@ -6978,7 +7718,7 @@
               </a:spcBef>
             </a:pPr>
             <a:r>
-              <a:rPr lang="fr-FR" sz="3200" i="1" spc="-1" dirty="0" err="1">
+              <a:rPr lang="fr-FR" sz="3200" b="0" i="1" strike="noStrike" spc="-1" dirty="0" err="1" smtClean="0">
                 <a:solidFill>
                   <a:srgbClr val="8B8B8B"/>
                 </a:solidFill>
@@ -6987,7 +7727,7 @@
               <a:t>both</a:t>
             </a:r>
             <a:r>
-              <a:rPr lang="fr-FR" sz="3200" i="1" spc="-1" dirty="0">
+              <a:rPr lang="fr-FR" sz="3200" b="0" i="1" strike="noStrike" spc="-1" dirty="0" smtClean="0">
                 <a:solidFill>
                   <a:srgbClr val="8B8B8B"/>
                 </a:solidFill>
@@ -6996,7 +7736,7 @@
               <a:t> </a:t>
             </a:r>
             <a:r>
-              <a:rPr lang="fr-FR" sz="3200" i="1" spc="-1" dirty="0" err="1">
+              <a:rPr lang="fr-FR" sz="3200" b="0" i="1" strike="noStrike" spc="-1" dirty="0" err="1" smtClean="0">
                 <a:solidFill>
                   <a:srgbClr val="8B8B8B"/>
                 </a:solidFill>
@@ -7004,248 +7744,11 @@
               </a:rPr>
               <a:t>brains</a:t>
             </a:r>
-            <a:endParaRPr lang="fr-FR" sz="3200" spc="-1" dirty="0">
+            <a:endParaRPr lang="fr-FR" sz="3200" b="0" strike="noStrike" spc="-1" dirty="0">
               <a:solidFill>
                 <a:srgbClr val="004586"/>
               </a:solidFill>
-            </a:endParaRPr>
-          </a:p>
-        </p:txBody>
-      </p:sp>
-      <p:sp>
-        <p:nvSpPr>
-          <p:cNvPr id="239" name="CustomShape 2"/>
-          <p:cNvSpPr/>
-          <p:nvPr/>
-        </p:nvSpPr>
-        <p:spPr>
-          <a:xfrm>
-            <a:off x="827584" y="3583776"/>
-            <a:ext cx="7920880" cy="2869560"/>
-          </a:xfrm>
-          <a:prstGeom prst="rect">
-            <a:avLst/>
-          </a:prstGeom>
-          <a:noFill/>
-          <a:ln>
-            <a:noFill/>
-          </a:ln>
-        </p:spPr>
-        <p:style>
-          <a:lnRef idx="0">
-            <a:scrgbClr r="0" g="0" b="0"/>
-          </a:lnRef>
-          <a:fillRef idx="0">
-            <a:scrgbClr r="0" g="0" b="0"/>
-          </a:fillRef>
-          <a:effectRef idx="0">
-            <a:scrgbClr r="0" g="0" b="0"/>
-          </a:effectRef>
-          <a:fontRef idx="minor"/>
-        </p:style>
-        <p:txBody>
-          <a:bodyPr lIns="90000" tIns="45000" rIns="90000" bIns="45000"/>
-          <a:lstStyle/>
-          <a:p>
-            <a:pPr>
-              <a:lnSpc>
-                <a:spcPct val="100000"/>
-              </a:lnSpc>
-            </a:pPr>
-            <a:r>
-              <a:rPr lang="en-US" sz="1600" spc="-1" dirty="0" smtClean="0">
-                <a:solidFill>
-                  <a:srgbClr val="0070C0"/>
-                </a:solidFill>
-                <a:latin typeface="Arial Black"/>
-              </a:rPr>
-              <a:t>The </a:t>
-            </a:r>
-            <a:r>
-              <a:rPr lang="en-US" sz="1600" spc="-1" dirty="0">
-                <a:solidFill>
-                  <a:srgbClr val="0070C0"/>
-                </a:solidFill>
-                <a:latin typeface="Arial Black"/>
-              </a:rPr>
-              <a:t>effects of cognitive </a:t>
-            </a:r>
-            <a:r>
-              <a:rPr lang="en-US" sz="1600" spc="-1" dirty="0" smtClean="0">
-                <a:solidFill>
-                  <a:srgbClr val="0070C0"/>
-                </a:solidFill>
-                <a:latin typeface="Arial Black"/>
-              </a:rPr>
-              <a:t>biases </a:t>
-            </a:r>
-            <a:r>
-              <a:rPr lang="en-US" sz="1600" spc="-1" dirty="0">
-                <a:solidFill>
-                  <a:srgbClr val="0070C0"/>
-                </a:solidFill>
-                <a:latin typeface="Arial Black"/>
-              </a:rPr>
-              <a:t>are limited, </a:t>
-            </a:r>
-            <a:r>
-              <a:rPr lang="en-US" sz="1600" spc="-1" dirty="0" smtClean="0">
-                <a:solidFill>
-                  <a:srgbClr val="0070C0"/>
-                </a:solidFill>
-                <a:latin typeface="Arial Black"/>
-              </a:rPr>
-              <a:t>notably Confirmation Bias</a:t>
-            </a:r>
-            <a:endParaRPr lang="en-US" sz="1600" spc="-1" dirty="0">
-              <a:solidFill>
-                <a:srgbClr val="0070C0"/>
-              </a:solidFill>
-              <a:latin typeface="Arial Black"/>
-            </a:endParaRPr>
-          </a:p>
-          <a:p>
-            <a:pPr>
-              <a:lnSpc>
-                <a:spcPct val="100000"/>
-              </a:lnSpc>
-            </a:pPr>
-            <a:endParaRPr lang="en-US" sz="1600" spc="-1" dirty="0">
-              <a:solidFill>
-                <a:srgbClr val="0070C0"/>
-              </a:solidFill>
-              <a:latin typeface="Arial Black"/>
-            </a:endParaRPr>
-          </a:p>
-          <a:p>
-            <a:pPr>
-              <a:lnSpc>
-                <a:spcPct val="100000"/>
-              </a:lnSpc>
-            </a:pPr>
-            <a:endParaRPr lang="en-US" sz="1600" spc="-1" dirty="0">
-              <a:solidFill>
-                <a:srgbClr val="0070C0"/>
-              </a:solidFill>
-              <a:latin typeface="Arial Black"/>
-            </a:endParaRPr>
-          </a:p>
-          <a:p>
-            <a:pPr>
-              <a:lnSpc>
-                <a:spcPct val="100000"/>
-              </a:lnSpc>
-            </a:pPr>
-            <a:r>
-              <a:rPr lang="en-US" sz="1600" spc="-1" dirty="0" smtClean="0">
-                <a:solidFill>
-                  <a:srgbClr val="0070C0"/>
-                </a:solidFill>
-                <a:latin typeface="Arial Black"/>
-              </a:rPr>
-              <a:t>The feedback loop is as short as possible</a:t>
-            </a:r>
-            <a:endParaRPr lang="en-US" sz="1600" spc="-1" dirty="0">
-              <a:solidFill>
-                <a:srgbClr val="0070C0"/>
-              </a:solidFill>
-              <a:latin typeface="Arial Black"/>
-            </a:endParaRPr>
-          </a:p>
-          <a:p>
-            <a:pPr>
-              <a:lnSpc>
-                <a:spcPct val="100000"/>
-              </a:lnSpc>
-            </a:pPr>
-            <a:endParaRPr lang="en-US" sz="1600" spc="-1" dirty="0">
-              <a:solidFill>
-                <a:srgbClr val="0070C0"/>
-              </a:solidFill>
-              <a:latin typeface="Arial Black"/>
-            </a:endParaRPr>
-          </a:p>
-          <a:p>
-            <a:pPr>
-              <a:lnSpc>
-                <a:spcPct val="100000"/>
-              </a:lnSpc>
-            </a:pPr>
-            <a:endParaRPr lang="en-US" sz="1600" spc="-1" dirty="0">
-              <a:solidFill>
-                <a:srgbClr val="0070C0"/>
-              </a:solidFill>
-              <a:latin typeface="Arial Black"/>
-            </a:endParaRPr>
-          </a:p>
-          <a:p>
-            <a:pPr>
-              <a:lnSpc>
-                <a:spcPct val="100000"/>
-              </a:lnSpc>
-            </a:pPr>
-            <a:r>
-              <a:rPr lang="en-US" sz="1600" spc="-1" dirty="0">
-                <a:solidFill>
-                  <a:srgbClr val="0070C0"/>
-                </a:solidFill>
-                <a:latin typeface="Arial Black"/>
-              </a:rPr>
-              <a:t>The intention must always be clearly expressed</a:t>
-            </a:r>
-            <a:endParaRPr lang="en-US" sz="1600" spc="-1" dirty="0" smtClean="0">
-              <a:solidFill>
-                <a:srgbClr val="0070C0"/>
-              </a:solidFill>
-              <a:latin typeface="Arial Black"/>
-            </a:endParaRPr>
-          </a:p>
-          <a:p>
-            <a:pPr>
-              <a:lnSpc>
-                <a:spcPct val="100000"/>
-              </a:lnSpc>
-            </a:pPr>
-            <a:endParaRPr lang="en-US" sz="1600" spc="-1" dirty="0">
-              <a:solidFill>
-                <a:srgbClr val="0070C0"/>
-              </a:solidFill>
-              <a:latin typeface="Arial Black"/>
-            </a:endParaRPr>
-          </a:p>
-          <a:p>
-            <a:pPr>
-              <a:lnSpc>
-                <a:spcPct val="100000"/>
-              </a:lnSpc>
-            </a:pPr>
-            <a:endParaRPr lang="en-US" sz="1600" spc="-1" dirty="0">
-              <a:solidFill>
-                <a:srgbClr val="0070C0"/>
-              </a:solidFill>
-              <a:latin typeface="Arial Black"/>
-            </a:endParaRPr>
-          </a:p>
-          <a:p>
-            <a:pPr>
-              <a:lnSpc>
-                <a:spcPct val="100000"/>
-              </a:lnSpc>
-            </a:pPr>
-            <a:r>
-              <a:rPr lang="en-US" sz="1600" spc="-1" dirty="0" smtClean="0">
-                <a:solidFill>
-                  <a:srgbClr val="0070C0"/>
-                </a:solidFill>
-                <a:latin typeface="Arial Black"/>
-              </a:rPr>
-              <a:t>The designing aspect of development is strengthened </a:t>
-            </a:r>
-            <a:endParaRPr lang="en-US" sz="1600" spc="-1" dirty="0">
-              <a:solidFill>
-                <a:srgbClr val="0070C0"/>
-              </a:solidFill>
-              <a:latin typeface="Arial Black"/>
+              <a:latin typeface="Calibri"/>
             </a:endParaRPr>
           </a:p>
         </p:txBody>
@@ -7289,7 +7792,7 @@
     </p:spTree>
     <p:extLst>
       <p:ext uri="{BB962C8B-B14F-4D97-AF65-F5344CB8AC3E}">
-        <p14:creationId xmlns:p14="http://schemas.microsoft.com/office/powerpoint/2010/main" val="870178206"/>
+        <p14:creationId xmlns:p14="http://schemas.microsoft.com/office/powerpoint/2010/main" val="853979394"/>
       </p:ext>
     </p:extLst>
   </p:cSld>
@@ -7607,4 +8110,265 @@
   <a:objectDefaults/>
   <a:extraClrSchemeLst/>
 </a:theme>
+</file>
+
+<file path=ppt/theme/theme2.xml><?xml version="1.0" encoding="utf-8"?>
+<a:theme xmlns:a="http://schemas.openxmlformats.org/drawingml/2006/main" name="Office Theme">
+  <a:themeElements>
+    <a:clrScheme name="Office">
+      <a:dk1>
+        <a:sysClr val="windowText" lastClr="000000"/>
+      </a:dk1>
+      <a:lt1>
+        <a:sysClr val="window" lastClr="FFFFFF"/>
+      </a:lt1>
+      <a:dk2>
+        <a:srgbClr val="44546A"/>
+      </a:dk2>
+      <a:lt2>
+        <a:srgbClr val="E7E6E6"/>
+      </a:lt2>
+      <a:accent1>
+        <a:srgbClr val="5B9BD5"/>
+      </a:accent1>
+      <a:accent2>
+        <a:srgbClr val="ED7D31"/>
+      </a:accent2>
+      <a:accent3>
+        <a:srgbClr val="A5A5A5"/>
+      </a:accent3>
+      <a:accent4>
+        <a:srgbClr val="FFC000"/>
+      </a:accent4>
+      <a:accent5>
+        <a:srgbClr val="4472C4"/>
+      </a:accent5>
+      <a:accent6>
+        <a:srgbClr val="70AD47"/>
+      </a:accent6>
+      <a:hlink>
+        <a:srgbClr val="0563C1"/>
+      </a:hlink>
+      <a:folHlink>
+        <a:srgbClr val="954F72"/>
+      </a:folHlink>
+    </a:clrScheme>
+    <a:fontScheme name="Office">
+      <a:majorFont>
+        <a:latin typeface="Calibri Light" panose="020F0302020204030204"/>
+        <a:ea typeface=""/>
+        <a:cs typeface=""/>
+        <a:font script="Jpan" typeface="游ゴシック Light"/>
+        <a:font script="Hang" typeface="맑은 고딕"/>
+        <a:font script="Hans" typeface="等线 Light"/>
+        <a:font script="Hant" typeface="新細明體"/>
+        <a:font script="Arab" typeface="Times New Roman"/>
+        <a:font script="Hebr" typeface="Times New Roman"/>
+        <a:font script="Thai" typeface="Angsana New"/>
+        <a:font script="Ethi" typeface="Nyala"/>
+        <a:font script="Beng" typeface="Vrinda"/>
+        <a:font script="Gujr" typeface="Shruti"/>
+        <a:font script="Khmr" typeface="MoolBoran"/>
+        <a:font script="Knda" typeface="Tunga"/>
+        <a:font script="Guru" typeface="Raavi"/>
+        <a:font script="Cans" typeface="Euphemia"/>
+        <a:font script="Cher" typeface="Plantagenet Cherokee"/>
+        <a:font script="Yiii" typeface="Microsoft Yi Baiti"/>
+        <a:font script="Tibt" typeface="Microsoft Himalaya"/>
+        <a:font script="Thaa" typeface="MV Boli"/>
+        <a:font script="Deva" typeface="Mangal"/>
+        <a:font script="Telu" typeface="Gautami"/>
+        <a:font script="Taml" typeface="Latha"/>
+        <a:font script="Syrc" typeface="Estrangelo Edessa"/>
+        <a:font script="Orya" typeface="Kalinga"/>
+        <a:font script="Mlym" typeface="Kartika"/>
+        <a:font script="Laoo" typeface="DokChampa"/>
+        <a:font script="Sinh" typeface="Iskoola Pota"/>
+        <a:font script="Mong" typeface="Mongolian Baiti"/>
+        <a:font script="Viet" typeface="Times New Roman"/>
+        <a:font script="Uigh" typeface="Microsoft Uighur"/>
+        <a:font script="Geor" typeface="Sylfaen"/>
+      </a:majorFont>
+      <a:minorFont>
+        <a:latin typeface="Calibri" panose="020F0502020204030204"/>
+        <a:ea typeface=""/>
+        <a:cs typeface=""/>
+        <a:font script="Jpan" typeface="游ゴシック"/>
+        <a:font script="Hang" typeface="맑은 고딕"/>
+        <a:font script="Hans" typeface="等线"/>
+        <a:font script="Hant" typeface="新細明體"/>
+        <a:font script="Arab" typeface="Arial"/>
+        <a:font script="Hebr" typeface="Arial"/>
+        <a:font script="Thai" typeface="Cordia New"/>
+        <a:font script="Ethi" typeface="Nyala"/>
+        <a:font script="Beng" typeface="Vrinda"/>
+        <a:font script="Gujr" typeface="Shruti"/>
+        <a:font script="Khmr" typeface="DaunPenh"/>
+        <a:font script="Knda" typeface="Tunga"/>
+        <a:font script="Guru" typeface="Raavi"/>
+        <a:font script="Cans" typeface="Euphemia"/>
+        <a:font script="Cher" typeface="Plantagenet Cherokee"/>
+        <a:font script="Yiii" typeface="Microsoft Yi Baiti"/>
+        <a:font script="Tibt" typeface="Microsoft Himalaya"/>
+        <a:font script="Thaa" typeface="MV Boli"/>
+        <a:font script="Deva" typeface="Mangal"/>
+        <a:font script="Telu" typeface="Gautami"/>
+        <a:font script="Taml" typeface="Latha"/>
+        <a:font script="Syrc" typeface="Estrangelo Edessa"/>
+        <a:font script="Orya" typeface="Kalinga"/>
+        <a:font script="Mlym" typeface="Kartika"/>
+        <a:font script="Laoo" typeface="DokChampa"/>
+        <a:font script="Sinh" typeface="Iskoola Pota"/>
+        <a:font script="Mong" typeface="Mongolian Baiti"/>
+        <a:font script="Viet" typeface="Arial"/>
+        <a:font script="Uigh" typeface="Microsoft Uighur"/>
+        <a:font script="Geor" typeface="Sylfaen"/>
+      </a:minorFont>
+    </a:fontScheme>
+    <a:fmtScheme name="Office">
+      <a:fillStyleLst>
+        <a:solidFill>
+          <a:schemeClr val="phClr"/>
+        </a:solidFill>
+        <a:gradFill rotWithShape="1">
+          <a:gsLst>
+            <a:gs pos="0">
+              <a:schemeClr val="phClr">
+                <a:lumMod val="110000"/>
+                <a:satMod val="105000"/>
+                <a:tint val="67000"/>
+              </a:schemeClr>
+            </a:gs>
+            <a:gs pos="50000">
+              <a:schemeClr val="phClr">
+                <a:lumMod val="105000"/>
+                <a:satMod val="103000"/>
+                <a:tint val="73000"/>
+              </a:schemeClr>
+            </a:gs>
+            <a:gs pos="100000">
+              <a:schemeClr val="phClr">
+                <a:lumMod val="105000"/>
+                <a:satMod val="109000"/>
+                <a:tint val="81000"/>
+              </a:schemeClr>
+            </a:gs>
+          </a:gsLst>
+          <a:lin ang="5400000" scaled="0"/>
+        </a:gradFill>
+        <a:gradFill rotWithShape="1">
+          <a:gsLst>
+            <a:gs pos="0">
+              <a:schemeClr val="phClr">
+                <a:satMod val="103000"/>
+                <a:lumMod val="102000"/>
+                <a:tint val="94000"/>
+              </a:schemeClr>
+            </a:gs>
+            <a:gs pos="50000">
+              <a:schemeClr val="phClr">
+                <a:satMod val="110000"/>
+                <a:lumMod val="100000"/>
+                <a:shade val="100000"/>
+              </a:schemeClr>
+            </a:gs>
+            <a:gs pos="100000">
+              <a:schemeClr val="phClr">
+                <a:lumMod val="99000"/>
+                <a:satMod val="120000"/>
+                <a:shade val="78000"/>
+              </a:schemeClr>
+            </a:gs>
+          </a:gsLst>
+          <a:lin ang="5400000" scaled="0"/>
+        </a:gradFill>
+      </a:fillStyleLst>
+      <a:lnStyleLst>
+        <a:ln w="6350" cap="flat" cmpd="sng" algn="ctr">
+          <a:solidFill>
+            <a:schemeClr val="phClr"/>
+          </a:solidFill>
+          <a:prstDash val="solid"/>
+          <a:miter lim="800000"/>
+        </a:ln>
+        <a:ln w="12700" cap="flat" cmpd="sng" algn="ctr">
+          <a:solidFill>
+            <a:schemeClr val="phClr"/>
+          </a:solidFill>
+          <a:prstDash val="solid"/>
+          <a:miter lim="800000"/>
+        </a:ln>
+        <a:ln w="19050" cap="flat" cmpd="sng" algn="ctr">
+          <a:solidFill>
+            <a:schemeClr val="phClr"/>
+          </a:solidFill>
+          <a:prstDash val="solid"/>
+          <a:miter lim="800000"/>
+        </a:ln>
+      </a:lnStyleLst>
+      <a:effectStyleLst>
+        <a:effectStyle>
+          <a:effectLst/>
+        </a:effectStyle>
+        <a:effectStyle>
+          <a:effectLst/>
+        </a:effectStyle>
+        <a:effectStyle>
+          <a:effectLst>
+            <a:outerShdw blurRad="57150" dist="19050" dir="5400000" algn="ctr" rotWithShape="0">
+              <a:srgbClr val="000000">
+                <a:alpha val="63000"/>
+              </a:srgbClr>
+            </a:outerShdw>
+          </a:effectLst>
+        </a:effectStyle>
+      </a:effectStyleLst>
+      <a:bgFillStyleLst>
+        <a:solidFill>
+          <a:schemeClr val="phClr"/>
+        </a:solidFill>
+        <a:solidFill>
+          <a:schemeClr val="phClr">
+            <a:tint val="95000"/>
+            <a:satMod val="170000"/>
+          </a:schemeClr>
+        </a:solidFill>
+        <a:gradFill rotWithShape="1">
+          <a:gsLst>
+            <a:gs pos="0">
+              <a:schemeClr val="phClr">
+                <a:tint val="93000"/>
+                <a:satMod val="150000"/>
+                <a:shade val="98000"/>
+                <a:lumMod val="102000"/>
+              </a:schemeClr>
+            </a:gs>
+            <a:gs pos="50000">
+              <a:schemeClr val="phClr">
+                <a:tint val="98000"/>
+                <a:satMod val="130000"/>
+                <a:shade val="90000"/>
+                <a:lumMod val="103000"/>
+              </a:schemeClr>
+            </a:gs>
+            <a:gs pos="100000">
+              <a:schemeClr val="phClr">
+                <a:shade val="63000"/>
+                <a:satMod val="120000"/>
+              </a:schemeClr>
+            </a:gs>
+          </a:gsLst>
+          <a:lin ang="5400000" scaled="0"/>
+        </a:gradFill>
+      </a:bgFillStyleLst>
+    </a:fmtScheme>
+  </a:themeElements>
+  <a:objectDefaults/>
+  <a:extraClrSchemeLst/>
+  <a:extLst>
+    <a:ext uri="{05A4C25C-085E-4340-85A3-A5531E510DB2}">
+      <thm15:themeFamily xmlns:thm15="http://schemas.microsoft.com/office/thememl/2012/main" name="Office Theme" id="{62F939B6-93AF-4DB8-9C6B-D6C7DFDC589F}" vid="{4A3C46E8-61CC-4603-A589-7422A47A8E4A}"/>
+    </a:ext>
+  </a:extLst>
+</a:theme>
 </file>